--- a/20230418-Synchrn-K8s-Discussions.pptx
+++ b/20230418-Synchrn-K8s-Discussions.pptx
@@ -11,6 +11,10 @@
     <p:sldId id="260" r:id="rId5"/>
     <p:sldId id="261" r:id="rId6"/>
     <p:sldId id="262" r:id="rId7"/>
+    <p:sldId id="263" r:id="rId8"/>
+    <p:sldId id="264" r:id="rId9"/>
+    <p:sldId id="265" r:id="rId10"/>
+    <p:sldId id="266" r:id="rId11"/>
   </p:sldIdLst>
   <p:sldSz cx="12192000" cy="6858000"/>
   <p:notesSz cx="6858000" cy="9144000"/>
@@ -109,6 +113,11 @@
       </a:defRPr>
     </a:lvl9pPr>
   </p:defaultTextStyle>
+  <p:extLst>
+    <p:ext uri="{EFAFB233-063F-42B5-8137-9DF3F51BA10A}">
+      <p15:sldGuideLst xmlns:p15="http://schemas.microsoft.com/office/powerpoint/2012/main"/>
+    </p:ext>
+  </p:extLst>
 </p:presentation>
 </file>
 
@@ -261,7 +270,7 @@
           <a:p>
             <a:fld id="{F296774C-7552-47DB-B1E2-35F0A4E3A7CF}" type="datetimeFigureOut">
               <a:rPr lang="en-IN" smtClean="0"/>
-              <a:t>18-04-2023</a:t>
+              <a:t>19-04-2023</a:t>
             </a:fld>
             <a:endParaRPr lang="en-IN"/>
           </a:p>
@@ -461,7 +470,7 @@
           <a:p>
             <a:fld id="{F296774C-7552-47DB-B1E2-35F0A4E3A7CF}" type="datetimeFigureOut">
               <a:rPr lang="en-IN" smtClean="0"/>
-              <a:t>18-04-2023</a:t>
+              <a:t>19-04-2023</a:t>
             </a:fld>
             <a:endParaRPr lang="en-IN"/>
           </a:p>
@@ -671,7 +680,7 @@
           <a:p>
             <a:fld id="{F296774C-7552-47DB-B1E2-35F0A4E3A7CF}" type="datetimeFigureOut">
               <a:rPr lang="en-IN" smtClean="0"/>
-              <a:t>18-04-2023</a:t>
+              <a:t>19-04-2023</a:t>
             </a:fld>
             <a:endParaRPr lang="en-IN"/>
           </a:p>
@@ -871,7 +880,7 @@
           <a:p>
             <a:fld id="{F296774C-7552-47DB-B1E2-35F0A4E3A7CF}" type="datetimeFigureOut">
               <a:rPr lang="en-IN" smtClean="0"/>
-              <a:t>18-04-2023</a:t>
+              <a:t>19-04-2023</a:t>
             </a:fld>
             <a:endParaRPr lang="en-IN"/>
           </a:p>
@@ -1147,7 +1156,7 @@
           <a:p>
             <a:fld id="{F296774C-7552-47DB-B1E2-35F0A4E3A7CF}" type="datetimeFigureOut">
               <a:rPr lang="en-IN" smtClean="0"/>
-              <a:t>18-04-2023</a:t>
+              <a:t>19-04-2023</a:t>
             </a:fld>
             <a:endParaRPr lang="en-IN"/>
           </a:p>
@@ -1415,7 +1424,7 @@
           <a:p>
             <a:fld id="{F296774C-7552-47DB-B1E2-35F0A4E3A7CF}" type="datetimeFigureOut">
               <a:rPr lang="en-IN" smtClean="0"/>
-              <a:t>18-04-2023</a:t>
+              <a:t>19-04-2023</a:t>
             </a:fld>
             <a:endParaRPr lang="en-IN"/>
           </a:p>
@@ -1830,7 +1839,7 @@
           <a:p>
             <a:fld id="{F296774C-7552-47DB-B1E2-35F0A4E3A7CF}" type="datetimeFigureOut">
               <a:rPr lang="en-IN" smtClean="0"/>
-              <a:t>18-04-2023</a:t>
+              <a:t>19-04-2023</a:t>
             </a:fld>
             <a:endParaRPr lang="en-IN"/>
           </a:p>
@@ -1972,7 +1981,7 @@
           <a:p>
             <a:fld id="{F296774C-7552-47DB-B1E2-35F0A4E3A7CF}" type="datetimeFigureOut">
               <a:rPr lang="en-IN" smtClean="0"/>
-              <a:t>18-04-2023</a:t>
+              <a:t>19-04-2023</a:t>
             </a:fld>
             <a:endParaRPr lang="en-IN"/>
           </a:p>
@@ -2085,7 +2094,7 @@
           <a:p>
             <a:fld id="{F296774C-7552-47DB-B1E2-35F0A4E3A7CF}" type="datetimeFigureOut">
               <a:rPr lang="en-IN" smtClean="0"/>
-              <a:t>18-04-2023</a:t>
+              <a:t>19-04-2023</a:t>
             </a:fld>
             <a:endParaRPr lang="en-IN"/>
           </a:p>
@@ -2398,7 +2407,7 @@
           <a:p>
             <a:fld id="{F296774C-7552-47DB-B1E2-35F0A4E3A7CF}" type="datetimeFigureOut">
               <a:rPr lang="en-IN" smtClean="0"/>
-              <a:t>18-04-2023</a:t>
+              <a:t>19-04-2023</a:t>
             </a:fld>
             <a:endParaRPr lang="en-IN"/>
           </a:p>
@@ -2687,7 +2696,7 @@
           <a:p>
             <a:fld id="{F296774C-7552-47DB-B1E2-35F0A4E3A7CF}" type="datetimeFigureOut">
               <a:rPr lang="en-IN" smtClean="0"/>
-              <a:t>18-04-2023</a:t>
+              <a:t>19-04-2023</a:t>
             </a:fld>
             <a:endParaRPr lang="en-IN"/>
           </a:p>
@@ -2930,7 +2939,7 @@
           <a:p>
             <a:fld id="{F296774C-7552-47DB-B1E2-35F0A4E3A7CF}" type="datetimeFigureOut">
               <a:rPr lang="en-IN" smtClean="0"/>
-              <a:t>18-04-2023</a:t>
+              <a:t>19-04-2023</a:t>
             </a:fld>
             <a:endParaRPr lang="en-IN"/>
           </a:p>
@@ -3393,6 +3402,125 @@
 </p:sld>
 </file>
 
+<file path=ppt/slides/slide10.xml><?xml version="1.0" encoding="utf-8"?>
+<p:sld xmlns:a="http://schemas.openxmlformats.org/drawingml/2006/main" xmlns:r="http://schemas.openxmlformats.org/officeDocument/2006/relationships" xmlns:p="http://schemas.openxmlformats.org/presentationml/2006/main">
+  <p:cSld>
+    <p:spTree>
+      <p:nvGrpSpPr>
+        <p:cNvPr id="1" name=""/>
+        <p:cNvGrpSpPr/>
+        <p:nvPr/>
+      </p:nvGrpSpPr>
+      <p:grpSpPr>
+        <a:xfrm>
+          <a:off x="0" y="0"/>
+          <a:ext cx="0" cy="0"/>
+          <a:chOff x="0" y="0"/>
+          <a:chExt cx="0" cy="0"/>
+        </a:xfrm>
+      </p:grpSpPr>
+      <p:sp>
+        <p:nvSpPr>
+          <p:cNvPr id="2" name="Title 1">
+            <a:extLst>
+              <a:ext uri="{FF2B5EF4-FFF2-40B4-BE49-F238E27FC236}">
+                <a16:creationId xmlns:a16="http://schemas.microsoft.com/office/drawing/2014/main" id="{46545E01-A315-7CBE-3F3C-28A8C7B7E91A}"/>
+              </a:ext>
+            </a:extLst>
+          </p:cNvPr>
+          <p:cNvSpPr>
+            <a:spLocks noGrp="1"/>
+          </p:cNvSpPr>
+          <p:nvPr>
+            <p:ph type="title"/>
+          </p:nvPr>
+        </p:nvSpPr>
+        <p:spPr/>
+        <p:txBody>
+          <a:bodyPr/>
+          <a:lstStyle/>
+          <a:p>
+            <a:r>
+              <a:rPr lang="en-GB" dirty="0"/>
+              <a:t>Visual tools for Kubernetes</a:t>
+            </a:r>
+            <a:endParaRPr lang="en-IN" dirty="0"/>
+          </a:p>
+        </p:txBody>
+      </p:sp>
+      <p:sp>
+        <p:nvSpPr>
+          <p:cNvPr id="3" name="Content Placeholder 2">
+            <a:extLst>
+              <a:ext uri="{FF2B5EF4-FFF2-40B4-BE49-F238E27FC236}">
+                <a16:creationId xmlns:a16="http://schemas.microsoft.com/office/drawing/2014/main" id="{221CCA8A-C310-861A-317A-E46991095577}"/>
+              </a:ext>
+            </a:extLst>
+          </p:cNvPr>
+          <p:cNvSpPr>
+            <a:spLocks noGrp="1"/>
+          </p:cNvSpPr>
+          <p:nvPr>
+            <p:ph idx="1"/>
+          </p:nvPr>
+        </p:nvSpPr>
+        <p:spPr/>
+        <p:txBody>
+          <a:bodyPr/>
+          <a:lstStyle/>
+          <a:p>
+            <a:r>
+              <a:rPr lang="en-GB" dirty="0"/>
+              <a:t>Kubernetes Dashboard</a:t>
+            </a:r>
+          </a:p>
+          <a:p>
+            <a:r>
+              <a:rPr lang="en-GB" dirty="0"/>
+              <a:t>Rancher</a:t>
+            </a:r>
+          </a:p>
+          <a:p>
+            <a:r>
+              <a:rPr lang="en-GB" dirty="0"/>
+              <a:t>Octant</a:t>
+            </a:r>
+          </a:p>
+          <a:p>
+            <a:r>
+              <a:rPr lang="en-GB" dirty="0"/>
+              <a:t>Weave scope</a:t>
+            </a:r>
+          </a:p>
+          <a:p>
+            <a:r>
+              <a:rPr lang="en-GB" dirty="0" err="1"/>
+              <a:t>Konstellate</a:t>
+            </a:r>
+            <a:endParaRPr lang="en-GB" dirty="0"/>
+          </a:p>
+          <a:p>
+            <a:r>
+              <a:rPr lang="en-GB" dirty="0"/>
+              <a:t>etc…</a:t>
+            </a:r>
+            <a:endParaRPr lang="en-IN" dirty="0"/>
+          </a:p>
+        </p:txBody>
+      </p:sp>
+    </p:spTree>
+    <p:extLst>
+      <p:ext uri="{BB962C8B-B14F-4D97-AF65-F5344CB8AC3E}">
+        <p14:creationId xmlns:p14="http://schemas.microsoft.com/office/powerpoint/2010/main" val="4141383195"/>
+      </p:ext>
+    </p:extLst>
+  </p:cSld>
+  <p:clrMapOvr>
+    <a:masterClrMapping/>
+  </p:clrMapOvr>
+</p:sld>
+</file>
+
 <file path=ppt/slides/slide2.xml><?xml version="1.0" encoding="utf-8"?>
 <p:sld xmlns:a="http://schemas.openxmlformats.org/drawingml/2006/main" xmlns:r="http://schemas.openxmlformats.org/officeDocument/2006/relationships" xmlns:p="http://schemas.openxmlformats.org/presentationml/2006/main">
   <p:cSld>
@@ -4393,6 +4521,2908 @@
     <p:extLst>
       <p:ext uri="{BB962C8B-B14F-4D97-AF65-F5344CB8AC3E}">
         <p14:creationId xmlns:p14="http://schemas.microsoft.com/office/powerpoint/2010/main" val="1086827329"/>
+      </p:ext>
+    </p:extLst>
+  </p:cSld>
+  <p:clrMapOvr>
+    <a:masterClrMapping/>
+  </p:clrMapOvr>
+</p:sld>
+</file>
+
+<file path=ppt/slides/slide7.xml><?xml version="1.0" encoding="utf-8"?>
+<p:sld xmlns:a="http://schemas.openxmlformats.org/drawingml/2006/main" xmlns:r="http://schemas.openxmlformats.org/officeDocument/2006/relationships" xmlns:p="http://schemas.openxmlformats.org/presentationml/2006/main">
+  <p:cSld>
+    <p:spTree>
+      <p:nvGrpSpPr>
+        <p:cNvPr id="1" name=""/>
+        <p:cNvGrpSpPr/>
+        <p:nvPr/>
+      </p:nvGrpSpPr>
+      <p:grpSpPr>
+        <a:xfrm>
+          <a:off x="0" y="0"/>
+          <a:ext cx="0" cy="0"/>
+          <a:chOff x="0" y="0"/>
+          <a:chExt cx="0" cy="0"/>
+        </a:xfrm>
+      </p:grpSpPr>
+      <p:sp>
+        <p:nvSpPr>
+          <p:cNvPr id="2" name="Title 1">
+            <a:extLst>
+              <a:ext uri="{FF2B5EF4-FFF2-40B4-BE49-F238E27FC236}">
+                <a16:creationId xmlns:a16="http://schemas.microsoft.com/office/drawing/2014/main" id="{D6461128-D058-0094-7D19-F342942B7402}"/>
+              </a:ext>
+            </a:extLst>
+          </p:cNvPr>
+          <p:cNvSpPr>
+            <a:spLocks noGrp="1"/>
+          </p:cNvSpPr>
+          <p:nvPr>
+            <p:ph type="title"/>
+          </p:nvPr>
+        </p:nvSpPr>
+        <p:spPr/>
+        <p:txBody>
+          <a:bodyPr/>
+          <a:lstStyle/>
+          <a:p>
+            <a:r>
+              <a:rPr lang="en-GB" dirty="0"/>
+              <a:t>Pods</a:t>
+            </a:r>
+            <a:endParaRPr lang="en-IN" dirty="0"/>
+          </a:p>
+        </p:txBody>
+      </p:sp>
+      <p:sp>
+        <p:nvSpPr>
+          <p:cNvPr id="4" name="Rectangle 3">
+            <a:extLst>
+              <a:ext uri="{FF2B5EF4-FFF2-40B4-BE49-F238E27FC236}">
+                <a16:creationId xmlns:a16="http://schemas.microsoft.com/office/drawing/2014/main" id="{FE60B1E5-7DE0-E496-03F4-6D620E829E92}"/>
+              </a:ext>
+            </a:extLst>
+          </p:cNvPr>
+          <p:cNvSpPr/>
+          <p:nvPr/>
+        </p:nvSpPr>
+        <p:spPr>
+          <a:xfrm>
+            <a:off x="1479177" y="1447430"/>
+            <a:ext cx="6078071" cy="4096871"/>
+          </a:xfrm>
+          <a:prstGeom prst="rect">
+            <a:avLst/>
+          </a:prstGeom>
+        </p:spPr>
+        <p:style>
+          <a:lnRef idx="2">
+            <a:schemeClr val="accent1">
+              <a:shade val="50000"/>
+            </a:schemeClr>
+          </a:lnRef>
+          <a:fillRef idx="1">
+            <a:schemeClr val="accent1"/>
+          </a:fillRef>
+          <a:effectRef idx="0">
+            <a:schemeClr val="accent1"/>
+          </a:effectRef>
+          <a:fontRef idx="minor">
+            <a:schemeClr val="lt1"/>
+          </a:fontRef>
+        </p:style>
+        <p:txBody>
+          <a:bodyPr rtlCol="0" anchor="ctr"/>
+          <a:lstStyle/>
+          <a:p>
+            <a:pPr algn="ctr"/>
+            <a:r>
+              <a:rPr lang="en-GB" dirty="0"/>
+              <a:t>Worker Node</a:t>
+            </a:r>
+            <a:endParaRPr lang="en-IN" dirty="0"/>
+          </a:p>
+        </p:txBody>
+      </p:sp>
+      <p:grpSp>
+        <p:nvGrpSpPr>
+          <p:cNvPr id="16" name="Group 15">
+            <a:extLst>
+              <a:ext uri="{FF2B5EF4-FFF2-40B4-BE49-F238E27FC236}">
+                <a16:creationId xmlns:a16="http://schemas.microsoft.com/office/drawing/2014/main" id="{C41685B2-0262-F4D9-69EC-7E4DB734226A}"/>
+              </a:ext>
+            </a:extLst>
+          </p:cNvPr>
+          <p:cNvGrpSpPr/>
+          <p:nvPr/>
+        </p:nvGrpSpPr>
+        <p:grpSpPr>
+          <a:xfrm>
+            <a:off x="1761566" y="1552578"/>
+            <a:ext cx="1739153" cy="1053353"/>
+            <a:chOff x="2321859" y="2375647"/>
+            <a:chExt cx="1739153" cy="1053353"/>
+          </a:xfrm>
+        </p:grpSpPr>
+        <p:sp>
+          <p:nvSpPr>
+            <p:cNvPr id="5" name="Oval 4">
+              <a:extLst>
+                <a:ext uri="{FF2B5EF4-FFF2-40B4-BE49-F238E27FC236}">
+                  <a16:creationId xmlns:a16="http://schemas.microsoft.com/office/drawing/2014/main" id="{44F749A8-DBD7-9E85-6867-D15C130EA6F4}"/>
+                </a:ext>
+              </a:extLst>
+            </p:cNvPr>
+            <p:cNvSpPr/>
+            <p:nvPr/>
+          </p:nvSpPr>
+          <p:spPr>
+            <a:xfrm>
+              <a:off x="2321859" y="2375647"/>
+              <a:ext cx="1739153" cy="1053353"/>
+            </a:xfrm>
+            <a:prstGeom prst="ellipse">
+              <a:avLst/>
+            </a:prstGeom>
+          </p:spPr>
+          <p:style>
+            <a:lnRef idx="2">
+              <a:schemeClr val="accent6">
+                <a:shade val="50000"/>
+              </a:schemeClr>
+            </a:lnRef>
+            <a:fillRef idx="1">
+              <a:schemeClr val="accent6"/>
+            </a:fillRef>
+            <a:effectRef idx="0">
+              <a:schemeClr val="accent6"/>
+            </a:effectRef>
+            <a:fontRef idx="minor">
+              <a:schemeClr val="lt1"/>
+            </a:fontRef>
+          </p:style>
+          <p:txBody>
+            <a:bodyPr rtlCol="0" anchor="t" anchorCtr="0"/>
+            <a:lstStyle/>
+            <a:p>
+              <a:pPr algn="ctr"/>
+              <a:r>
+                <a:rPr lang="en-GB" dirty="0"/>
+                <a:t>Pod</a:t>
+              </a:r>
+              <a:endParaRPr lang="en-IN" dirty="0"/>
+            </a:p>
+          </p:txBody>
+        </p:sp>
+        <p:sp>
+          <p:nvSpPr>
+            <p:cNvPr id="6" name="Rectangle: Rounded Corners 5">
+              <a:extLst>
+                <a:ext uri="{FF2B5EF4-FFF2-40B4-BE49-F238E27FC236}">
+                  <a16:creationId xmlns:a16="http://schemas.microsoft.com/office/drawing/2014/main" id="{EEDF4CAB-3526-952B-E509-F5223F91AB8F}"/>
+                </a:ext>
+              </a:extLst>
+            </p:cNvPr>
+            <p:cNvSpPr/>
+            <p:nvPr/>
+          </p:nvSpPr>
+          <p:spPr>
+            <a:xfrm>
+              <a:off x="2783542" y="2764214"/>
+              <a:ext cx="762000" cy="448235"/>
+            </a:xfrm>
+            <a:prstGeom prst="roundRect">
+              <a:avLst/>
+            </a:prstGeom>
+            <a:solidFill>
+              <a:schemeClr val="accent2"/>
+            </a:solidFill>
+          </p:spPr>
+          <p:style>
+            <a:lnRef idx="2">
+              <a:schemeClr val="accent1">
+                <a:shade val="50000"/>
+              </a:schemeClr>
+            </a:lnRef>
+            <a:fillRef idx="1">
+              <a:schemeClr val="accent1"/>
+            </a:fillRef>
+            <a:effectRef idx="0">
+              <a:schemeClr val="accent1"/>
+            </a:effectRef>
+            <a:fontRef idx="minor">
+              <a:schemeClr val="lt1"/>
+            </a:fontRef>
+          </p:style>
+          <p:txBody>
+            <a:bodyPr rtlCol="0" anchor="ctr"/>
+            <a:lstStyle/>
+            <a:p>
+              <a:pPr algn="ctr"/>
+              <a:r>
+                <a:rPr lang="en-GB" dirty="0"/>
+                <a:t>PBX</a:t>
+              </a:r>
+              <a:endParaRPr lang="en-IN" dirty="0"/>
+            </a:p>
+          </p:txBody>
+        </p:sp>
+      </p:grpSp>
+      <p:sp>
+        <p:nvSpPr>
+          <p:cNvPr id="7" name="Rectangle: Rounded Corners 6">
+            <a:extLst>
+              <a:ext uri="{FF2B5EF4-FFF2-40B4-BE49-F238E27FC236}">
+                <a16:creationId xmlns:a16="http://schemas.microsoft.com/office/drawing/2014/main" id="{1F298BF0-725E-C532-785F-577D6AD82131}"/>
+              </a:ext>
+            </a:extLst>
+          </p:cNvPr>
+          <p:cNvSpPr/>
+          <p:nvPr/>
+        </p:nvSpPr>
+        <p:spPr>
+          <a:xfrm>
+            <a:off x="10089777" y="1131238"/>
+            <a:ext cx="762000" cy="448235"/>
+          </a:xfrm>
+          <a:prstGeom prst="roundRect">
+            <a:avLst/>
+          </a:prstGeom>
+          <a:solidFill>
+            <a:schemeClr val="accent2"/>
+          </a:solidFill>
+        </p:spPr>
+        <p:style>
+          <a:lnRef idx="2">
+            <a:schemeClr val="accent1">
+              <a:shade val="50000"/>
+            </a:schemeClr>
+          </a:lnRef>
+          <a:fillRef idx="1">
+            <a:schemeClr val="accent1"/>
+          </a:fillRef>
+          <a:effectRef idx="0">
+            <a:schemeClr val="accent1"/>
+          </a:effectRef>
+          <a:fontRef idx="minor">
+            <a:schemeClr val="lt1"/>
+          </a:fontRef>
+        </p:style>
+        <p:txBody>
+          <a:bodyPr rtlCol="0" anchor="ctr"/>
+          <a:lstStyle/>
+          <a:p>
+            <a:pPr algn="ctr"/>
+            <a:endParaRPr lang="en-IN"/>
+          </a:p>
+        </p:txBody>
+      </p:sp>
+      <p:sp>
+        <p:nvSpPr>
+          <p:cNvPr id="8" name="Rectangle: Rounded Corners 7">
+            <a:extLst>
+              <a:ext uri="{FF2B5EF4-FFF2-40B4-BE49-F238E27FC236}">
+                <a16:creationId xmlns:a16="http://schemas.microsoft.com/office/drawing/2014/main" id="{24DFC8D7-F7B6-2AD1-ADB8-5F034A46D556}"/>
+              </a:ext>
+            </a:extLst>
+          </p:cNvPr>
+          <p:cNvSpPr/>
+          <p:nvPr/>
+        </p:nvSpPr>
+        <p:spPr>
+          <a:xfrm>
+            <a:off x="10999696" y="1991007"/>
+            <a:ext cx="762000" cy="448235"/>
+          </a:xfrm>
+          <a:prstGeom prst="roundRect">
+            <a:avLst/>
+          </a:prstGeom>
+          <a:solidFill>
+            <a:schemeClr val="accent2"/>
+          </a:solidFill>
+        </p:spPr>
+        <p:style>
+          <a:lnRef idx="2">
+            <a:schemeClr val="accent1">
+              <a:shade val="50000"/>
+            </a:schemeClr>
+          </a:lnRef>
+          <a:fillRef idx="1">
+            <a:schemeClr val="accent1"/>
+          </a:fillRef>
+          <a:effectRef idx="0">
+            <a:schemeClr val="accent1"/>
+          </a:effectRef>
+          <a:fontRef idx="minor">
+            <a:schemeClr val="lt1"/>
+          </a:fontRef>
+        </p:style>
+        <p:txBody>
+          <a:bodyPr rtlCol="0" anchor="ctr"/>
+          <a:lstStyle/>
+          <a:p>
+            <a:pPr algn="ctr"/>
+            <a:endParaRPr lang="en-IN"/>
+          </a:p>
+        </p:txBody>
+      </p:sp>
+      <p:grpSp>
+        <p:nvGrpSpPr>
+          <p:cNvPr id="11" name="Group 10">
+            <a:extLst>
+              <a:ext uri="{FF2B5EF4-FFF2-40B4-BE49-F238E27FC236}">
+                <a16:creationId xmlns:a16="http://schemas.microsoft.com/office/drawing/2014/main" id="{93504A10-7589-36FD-2CBF-2F1493759A79}"/>
+              </a:ext>
+            </a:extLst>
+          </p:cNvPr>
+          <p:cNvGrpSpPr/>
+          <p:nvPr/>
+        </p:nvGrpSpPr>
+        <p:grpSpPr>
+          <a:xfrm>
+            <a:off x="10165977" y="2824724"/>
+            <a:ext cx="1739153" cy="1053353"/>
+            <a:chOff x="2321859" y="2375647"/>
+            <a:chExt cx="1739153" cy="1053353"/>
+          </a:xfrm>
+        </p:grpSpPr>
+        <p:sp>
+          <p:nvSpPr>
+            <p:cNvPr id="12" name="Oval 11">
+              <a:extLst>
+                <a:ext uri="{FF2B5EF4-FFF2-40B4-BE49-F238E27FC236}">
+                  <a16:creationId xmlns:a16="http://schemas.microsoft.com/office/drawing/2014/main" id="{02E8B29E-6C90-381F-1ADC-AAA4EFD48C97}"/>
+                </a:ext>
+              </a:extLst>
+            </p:cNvPr>
+            <p:cNvSpPr/>
+            <p:nvPr/>
+          </p:nvSpPr>
+          <p:spPr>
+            <a:xfrm>
+              <a:off x="2321859" y="2375647"/>
+              <a:ext cx="1739153" cy="1053353"/>
+            </a:xfrm>
+            <a:prstGeom prst="ellipse">
+              <a:avLst/>
+            </a:prstGeom>
+          </p:spPr>
+          <p:style>
+            <a:lnRef idx="2">
+              <a:schemeClr val="accent6">
+                <a:shade val="50000"/>
+              </a:schemeClr>
+            </a:lnRef>
+            <a:fillRef idx="1">
+              <a:schemeClr val="accent6"/>
+            </a:fillRef>
+            <a:effectRef idx="0">
+              <a:schemeClr val="accent6"/>
+            </a:effectRef>
+            <a:fontRef idx="minor">
+              <a:schemeClr val="lt1"/>
+            </a:fontRef>
+          </p:style>
+          <p:txBody>
+            <a:bodyPr rtlCol="0" anchor="t" anchorCtr="0"/>
+            <a:lstStyle/>
+            <a:p>
+              <a:pPr algn="ctr"/>
+              <a:r>
+                <a:rPr lang="en-GB" dirty="0"/>
+                <a:t>Pod</a:t>
+              </a:r>
+              <a:endParaRPr lang="en-IN" dirty="0"/>
+            </a:p>
+          </p:txBody>
+        </p:sp>
+        <p:sp>
+          <p:nvSpPr>
+            <p:cNvPr id="13" name="Rectangle: Rounded Corners 12">
+              <a:extLst>
+                <a:ext uri="{FF2B5EF4-FFF2-40B4-BE49-F238E27FC236}">
+                  <a16:creationId xmlns:a16="http://schemas.microsoft.com/office/drawing/2014/main" id="{12D3C84B-0F6E-C6A6-FCB5-07C885B041EE}"/>
+                </a:ext>
+              </a:extLst>
+            </p:cNvPr>
+            <p:cNvSpPr/>
+            <p:nvPr/>
+          </p:nvSpPr>
+          <p:spPr>
+            <a:xfrm>
+              <a:off x="2783542" y="2764214"/>
+              <a:ext cx="762000" cy="448235"/>
+            </a:xfrm>
+            <a:prstGeom prst="roundRect">
+              <a:avLst/>
+            </a:prstGeom>
+            <a:solidFill>
+              <a:schemeClr val="accent2"/>
+            </a:solidFill>
+          </p:spPr>
+          <p:style>
+            <a:lnRef idx="2">
+              <a:schemeClr val="accent1">
+                <a:shade val="50000"/>
+              </a:schemeClr>
+            </a:lnRef>
+            <a:fillRef idx="1">
+              <a:schemeClr val="accent1"/>
+            </a:fillRef>
+            <a:effectRef idx="0">
+              <a:schemeClr val="accent1"/>
+            </a:effectRef>
+            <a:fontRef idx="minor">
+              <a:schemeClr val="lt1"/>
+            </a:fontRef>
+          </p:style>
+          <p:txBody>
+            <a:bodyPr rtlCol="0" anchor="ctr"/>
+            <a:lstStyle/>
+            <a:p>
+              <a:pPr algn="ctr"/>
+              <a:endParaRPr lang="en-IN"/>
+            </a:p>
+          </p:txBody>
+        </p:sp>
+        <p:sp>
+          <p:nvSpPr>
+            <p:cNvPr id="14" name="Rectangle: Rounded Corners 13">
+              <a:extLst>
+                <a:ext uri="{FF2B5EF4-FFF2-40B4-BE49-F238E27FC236}">
+                  <a16:creationId xmlns:a16="http://schemas.microsoft.com/office/drawing/2014/main" id="{FD7D6B48-39CC-0E4F-CB9B-4D948B607982}"/>
+                </a:ext>
+              </a:extLst>
+            </p:cNvPr>
+            <p:cNvSpPr/>
+            <p:nvPr/>
+          </p:nvSpPr>
+          <p:spPr>
+            <a:xfrm>
+              <a:off x="2891118" y="2824725"/>
+              <a:ext cx="762000" cy="448235"/>
+            </a:xfrm>
+            <a:prstGeom prst="roundRect">
+              <a:avLst/>
+            </a:prstGeom>
+            <a:solidFill>
+              <a:schemeClr val="accent2"/>
+            </a:solidFill>
+          </p:spPr>
+          <p:style>
+            <a:lnRef idx="2">
+              <a:schemeClr val="accent1">
+                <a:shade val="50000"/>
+              </a:schemeClr>
+            </a:lnRef>
+            <a:fillRef idx="1">
+              <a:schemeClr val="accent1"/>
+            </a:fillRef>
+            <a:effectRef idx="0">
+              <a:schemeClr val="accent1"/>
+            </a:effectRef>
+            <a:fontRef idx="minor">
+              <a:schemeClr val="lt1"/>
+            </a:fontRef>
+          </p:style>
+          <p:txBody>
+            <a:bodyPr rtlCol="0" anchor="ctr"/>
+            <a:lstStyle/>
+            <a:p>
+              <a:pPr algn="ctr"/>
+              <a:endParaRPr lang="en-IN"/>
+            </a:p>
+          </p:txBody>
+        </p:sp>
+        <p:sp>
+          <p:nvSpPr>
+            <p:cNvPr id="15" name="Rectangle: Rounded Corners 14">
+              <a:extLst>
+                <a:ext uri="{FF2B5EF4-FFF2-40B4-BE49-F238E27FC236}">
+                  <a16:creationId xmlns:a16="http://schemas.microsoft.com/office/drawing/2014/main" id="{A4560073-4509-56F1-2912-1E33C065E287}"/>
+                </a:ext>
+              </a:extLst>
+            </p:cNvPr>
+            <p:cNvSpPr/>
+            <p:nvPr/>
+          </p:nvSpPr>
+          <p:spPr>
+            <a:xfrm>
+              <a:off x="2998694" y="2874029"/>
+              <a:ext cx="762000" cy="448235"/>
+            </a:xfrm>
+            <a:prstGeom prst="roundRect">
+              <a:avLst/>
+            </a:prstGeom>
+            <a:solidFill>
+              <a:schemeClr val="accent2"/>
+            </a:solidFill>
+          </p:spPr>
+          <p:style>
+            <a:lnRef idx="2">
+              <a:schemeClr val="accent1">
+                <a:shade val="50000"/>
+              </a:schemeClr>
+            </a:lnRef>
+            <a:fillRef idx="1">
+              <a:schemeClr val="accent1"/>
+            </a:fillRef>
+            <a:effectRef idx="0">
+              <a:schemeClr val="accent1"/>
+            </a:effectRef>
+            <a:fontRef idx="minor">
+              <a:schemeClr val="lt1"/>
+            </a:fontRef>
+          </p:style>
+          <p:txBody>
+            <a:bodyPr rtlCol="0" anchor="ctr"/>
+            <a:lstStyle/>
+            <a:p>
+              <a:pPr algn="ctr"/>
+              <a:endParaRPr lang="en-IN"/>
+            </a:p>
+          </p:txBody>
+        </p:sp>
+      </p:grpSp>
+      <p:grpSp>
+        <p:nvGrpSpPr>
+          <p:cNvPr id="17" name="Group 16">
+            <a:extLst>
+              <a:ext uri="{FF2B5EF4-FFF2-40B4-BE49-F238E27FC236}">
+                <a16:creationId xmlns:a16="http://schemas.microsoft.com/office/drawing/2014/main" id="{9FFA5F28-C8FB-5A09-29EC-5E85AE933BFA}"/>
+              </a:ext>
+            </a:extLst>
+          </p:cNvPr>
+          <p:cNvGrpSpPr/>
+          <p:nvPr/>
+        </p:nvGrpSpPr>
+        <p:grpSpPr>
+          <a:xfrm>
+            <a:off x="3648635" y="3188454"/>
+            <a:ext cx="1739153" cy="1053353"/>
+            <a:chOff x="2321859" y="2375647"/>
+            <a:chExt cx="1739153" cy="1053353"/>
+          </a:xfrm>
+        </p:grpSpPr>
+        <p:sp>
+          <p:nvSpPr>
+            <p:cNvPr id="18" name="Oval 17">
+              <a:extLst>
+                <a:ext uri="{FF2B5EF4-FFF2-40B4-BE49-F238E27FC236}">
+                  <a16:creationId xmlns:a16="http://schemas.microsoft.com/office/drawing/2014/main" id="{296570BC-3091-C216-FFA3-EA47D341D3E5}"/>
+                </a:ext>
+              </a:extLst>
+            </p:cNvPr>
+            <p:cNvSpPr/>
+            <p:nvPr/>
+          </p:nvSpPr>
+          <p:spPr>
+            <a:xfrm>
+              <a:off x="2321859" y="2375647"/>
+              <a:ext cx="1739153" cy="1053353"/>
+            </a:xfrm>
+            <a:prstGeom prst="ellipse">
+              <a:avLst/>
+            </a:prstGeom>
+          </p:spPr>
+          <p:style>
+            <a:lnRef idx="2">
+              <a:schemeClr val="accent6">
+                <a:shade val="50000"/>
+              </a:schemeClr>
+            </a:lnRef>
+            <a:fillRef idx="1">
+              <a:schemeClr val="accent6"/>
+            </a:fillRef>
+            <a:effectRef idx="0">
+              <a:schemeClr val="accent6"/>
+            </a:effectRef>
+            <a:fontRef idx="minor">
+              <a:schemeClr val="lt1"/>
+            </a:fontRef>
+          </p:style>
+          <p:txBody>
+            <a:bodyPr rtlCol="0" anchor="t" anchorCtr="0"/>
+            <a:lstStyle/>
+            <a:p>
+              <a:pPr algn="ctr"/>
+              <a:r>
+                <a:rPr lang="en-GB" dirty="0"/>
+                <a:t>Pod</a:t>
+              </a:r>
+              <a:endParaRPr lang="en-IN" dirty="0"/>
+            </a:p>
+          </p:txBody>
+        </p:sp>
+        <p:sp>
+          <p:nvSpPr>
+            <p:cNvPr id="19" name="Rectangle: Rounded Corners 18">
+              <a:extLst>
+                <a:ext uri="{FF2B5EF4-FFF2-40B4-BE49-F238E27FC236}">
+                  <a16:creationId xmlns:a16="http://schemas.microsoft.com/office/drawing/2014/main" id="{E6136A41-D665-4A4B-47BD-792CC48B20C2}"/>
+                </a:ext>
+              </a:extLst>
+            </p:cNvPr>
+            <p:cNvSpPr/>
+            <p:nvPr/>
+          </p:nvSpPr>
+          <p:spPr>
+            <a:xfrm>
+              <a:off x="2783542" y="2764214"/>
+              <a:ext cx="762000" cy="448235"/>
+            </a:xfrm>
+            <a:prstGeom prst="roundRect">
+              <a:avLst/>
+            </a:prstGeom>
+            <a:solidFill>
+              <a:schemeClr val="accent2"/>
+            </a:solidFill>
+          </p:spPr>
+          <p:style>
+            <a:lnRef idx="2">
+              <a:schemeClr val="accent1">
+                <a:shade val="50000"/>
+              </a:schemeClr>
+            </a:lnRef>
+            <a:fillRef idx="1">
+              <a:schemeClr val="accent1"/>
+            </a:fillRef>
+            <a:effectRef idx="0">
+              <a:schemeClr val="accent1"/>
+            </a:effectRef>
+            <a:fontRef idx="minor">
+              <a:schemeClr val="lt1"/>
+            </a:fontRef>
+          </p:style>
+          <p:txBody>
+            <a:bodyPr rtlCol="0" anchor="ctr"/>
+            <a:lstStyle/>
+            <a:p>
+              <a:pPr algn="ctr"/>
+              <a:r>
+                <a:rPr lang="en-GB" dirty="0" err="1"/>
+                <a:t>VoiceAssist</a:t>
+              </a:r>
+              <a:endParaRPr lang="en-IN" dirty="0"/>
+            </a:p>
+          </p:txBody>
+        </p:sp>
+      </p:grpSp>
+      <p:grpSp>
+        <p:nvGrpSpPr>
+          <p:cNvPr id="20" name="Group 19">
+            <a:extLst>
+              <a:ext uri="{FF2B5EF4-FFF2-40B4-BE49-F238E27FC236}">
+                <a16:creationId xmlns:a16="http://schemas.microsoft.com/office/drawing/2014/main" id="{3B03B12D-DEB6-0DA8-2796-2679B4527237}"/>
+              </a:ext>
+            </a:extLst>
+          </p:cNvPr>
+          <p:cNvGrpSpPr/>
+          <p:nvPr/>
+        </p:nvGrpSpPr>
+        <p:grpSpPr>
+          <a:xfrm>
+            <a:off x="4002743" y="1579473"/>
+            <a:ext cx="1739153" cy="1053353"/>
+            <a:chOff x="2321859" y="2375647"/>
+            <a:chExt cx="1739153" cy="1053353"/>
+          </a:xfrm>
+        </p:grpSpPr>
+        <p:sp>
+          <p:nvSpPr>
+            <p:cNvPr id="21" name="Oval 20">
+              <a:extLst>
+                <a:ext uri="{FF2B5EF4-FFF2-40B4-BE49-F238E27FC236}">
+                  <a16:creationId xmlns:a16="http://schemas.microsoft.com/office/drawing/2014/main" id="{02973CF2-5FD9-D10D-8896-88FE859BC211}"/>
+                </a:ext>
+              </a:extLst>
+            </p:cNvPr>
+            <p:cNvSpPr/>
+            <p:nvPr/>
+          </p:nvSpPr>
+          <p:spPr>
+            <a:xfrm>
+              <a:off x="2321859" y="2375647"/>
+              <a:ext cx="1739153" cy="1053353"/>
+            </a:xfrm>
+            <a:prstGeom prst="ellipse">
+              <a:avLst/>
+            </a:prstGeom>
+          </p:spPr>
+          <p:style>
+            <a:lnRef idx="2">
+              <a:schemeClr val="accent6">
+                <a:shade val="50000"/>
+              </a:schemeClr>
+            </a:lnRef>
+            <a:fillRef idx="1">
+              <a:schemeClr val="accent6"/>
+            </a:fillRef>
+            <a:effectRef idx="0">
+              <a:schemeClr val="accent6"/>
+            </a:effectRef>
+            <a:fontRef idx="minor">
+              <a:schemeClr val="lt1"/>
+            </a:fontRef>
+          </p:style>
+          <p:txBody>
+            <a:bodyPr rtlCol="0" anchor="t" anchorCtr="0"/>
+            <a:lstStyle/>
+            <a:p>
+              <a:pPr algn="ctr"/>
+              <a:r>
+                <a:rPr lang="en-GB" dirty="0"/>
+                <a:t>Pod</a:t>
+              </a:r>
+              <a:endParaRPr lang="en-IN" dirty="0"/>
+            </a:p>
+          </p:txBody>
+        </p:sp>
+        <p:sp>
+          <p:nvSpPr>
+            <p:cNvPr id="22" name="Rectangle: Rounded Corners 21">
+              <a:extLst>
+                <a:ext uri="{FF2B5EF4-FFF2-40B4-BE49-F238E27FC236}">
+                  <a16:creationId xmlns:a16="http://schemas.microsoft.com/office/drawing/2014/main" id="{345F4046-2568-20A8-E18A-6A8200B0D780}"/>
+                </a:ext>
+              </a:extLst>
+            </p:cNvPr>
+            <p:cNvSpPr/>
+            <p:nvPr/>
+          </p:nvSpPr>
+          <p:spPr>
+            <a:xfrm>
+              <a:off x="2783542" y="2764214"/>
+              <a:ext cx="762000" cy="448235"/>
+            </a:xfrm>
+            <a:prstGeom prst="roundRect">
+              <a:avLst/>
+            </a:prstGeom>
+            <a:solidFill>
+              <a:schemeClr val="accent2"/>
+            </a:solidFill>
+          </p:spPr>
+          <p:style>
+            <a:lnRef idx="2">
+              <a:schemeClr val="accent1">
+                <a:shade val="50000"/>
+              </a:schemeClr>
+            </a:lnRef>
+            <a:fillRef idx="1">
+              <a:schemeClr val="accent1"/>
+            </a:fillRef>
+            <a:effectRef idx="0">
+              <a:schemeClr val="accent1"/>
+            </a:effectRef>
+            <a:fontRef idx="minor">
+              <a:schemeClr val="lt1"/>
+            </a:fontRef>
+          </p:style>
+          <p:txBody>
+            <a:bodyPr rtlCol="0" anchor="ctr"/>
+            <a:lstStyle/>
+            <a:p>
+              <a:pPr algn="ctr"/>
+              <a:r>
+                <a:rPr lang="en-GB" dirty="0"/>
+                <a:t>PBX</a:t>
+              </a:r>
+              <a:endParaRPr lang="en-IN" dirty="0"/>
+            </a:p>
+          </p:txBody>
+        </p:sp>
+      </p:grpSp>
+      <p:grpSp>
+        <p:nvGrpSpPr>
+          <p:cNvPr id="23" name="Group 22">
+            <a:extLst>
+              <a:ext uri="{FF2B5EF4-FFF2-40B4-BE49-F238E27FC236}">
+                <a16:creationId xmlns:a16="http://schemas.microsoft.com/office/drawing/2014/main" id="{2E168126-E001-AB4C-FBCA-D031E44CEC0B}"/>
+              </a:ext>
+            </a:extLst>
+          </p:cNvPr>
+          <p:cNvGrpSpPr/>
+          <p:nvPr/>
+        </p:nvGrpSpPr>
+        <p:grpSpPr>
+          <a:xfrm>
+            <a:off x="5903260" y="1579473"/>
+            <a:ext cx="1739153" cy="1053353"/>
+            <a:chOff x="2321859" y="2375647"/>
+            <a:chExt cx="1739153" cy="1053353"/>
+          </a:xfrm>
+        </p:grpSpPr>
+        <p:sp>
+          <p:nvSpPr>
+            <p:cNvPr id="24" name="Oval 23">
+              <a:extLst>
+                <a:ext uri="{FF2B5EF4-FFF2-40B4-BE49-F238E27FC236}">
+                  <a16:creationId xmlns:a16="http://schemas.microsoft.com/office/drawing/2014/main" id="{9174E042-E616-335E-FD05-1216FCE59ABD}"/>
+                </a:ext>
+              </a:extLst>
+            </p:cNvPr>
+            <p:cNvSpPr/>
+            <p:nvPr/>
+          </p:nvSpPr>
+          <p:spPr>
+            <a:xfrm>
+              <a:off x="2321859" y="2375647"/>
+              <a:ext cx="1739153" cy="1053353"/>
+            </a:xfrm>
+            <a:prstGeom prst="ellipse">
+              <a:avLst/>
+            </a:prstGeom>
+          </p:spPr>
+          <p:style>
+            <a:lnRef idx="2">
+              <a:schemeClr val="accent6">
+                <a:shade val="50000"/>
+              </a:schemeClr>
+            </a:lnRef>
+            <a:fillRef idx="1">
+              <a:schemeClr val="accent6"/>
+            </a:fillRef>
+            <a:effectRef idx="0">
+              <a:schemeClr val="accent6"/>
+            </a:effectRef>
+            <a:fontRef idx="minor">
+              <a:schemeClr val="lt1"/>
+            </a:fontRef>
+          </p:style>
+          <p:txBody>
+            <a:bodyPr rtlCol="0" anchor="t" anchorCtr="0"/>
+            <a:lstStyle/>
+            <a:p>
+              <a:pPr algn="ctr"/>
+              <a:r>
+                <a:rPr lang="en-GB" dirty="0"/>
+                <a:t>Pod</a:t>
+              </a:r>
+              <a:endParaRPr lang="en-IN" dirty="0"/>
+            </a:p>
+          </p:txBody>
+        </p:sp>
+        <p:sp>
+          <p:nvSpPr>
+            <p:cNvPr id="25" name="Rectangle: Rounded Corners 24">
+              <a:extLst>
+                <a:ext uri="{FF2B5EF4-FFF2-40B4-BE49-F238E27FC236}">
+                  <a16:creationId xmlns:a16="http://schemas.microsoft.com/office/drawing/2014/main" id="{28BAFA88-928A-3289-399D-B370B7948A30}"/>
+                </a:ext>
+              </a:extLst>
+            </p:cNvPr>
+            <p:cNvSpPr/>
+            <p:nvPr/>
+          </p:nvSpPr>
+          <p:spPr>
+            <a:xfrm>
+              <a:off x="2783542" y="2764214"/>
+              <a:ext cx="762000" cy="448235"/>
+            </a:xfrm>
+            <a:prstGeom prst="roundRect">
+              <a:avLst/>
+            </a:prstGeom>
+            <a:solidFill>
+              <a:schemeClr val="accent2"/>
+            </a:solidFill>
+          </p:spPr>
+          <p:style>
+            <a:lnRef idx="2">
+              <a:schemeClr val="accent1">
+                <a:shade val="50000"/>
+              </a:schemeClr>
+            </a:lnRef>
+            <a:fillRef idx="1">
+              <a:schemeClr val="accent1"/>
+            </a:fillRef>
+            <a:effectRef idx="0">
+              <a:schemeClr val="accent1"/>
+            </a:effectRef>
+            <a:fontRef idx="minor">
+              <a:schemeClr val="lt1"/>
+            </a:fontRef>
+          </p:style>
+          <p:txBody>
+            <a:bodyPr rtlCol="0" anchor="ctr"/>
+            <a:lstStyle/>
+            <a:p>
+              <a:pPr algn="ctr"/>
+              <a:r>
+                <a:rPr lang="en-GB" dirty="0"/>
+                <a:t>PBX</a:t>
+              </a:r>
+              <a:endParaRPr lang="en-IN" dirty="0"/>
+            </a:p>
+          </p:txBody>
+        </p:sp>
+      </p:grpSp>
+      <p:cxnSp>
+        <p:nvCxnSpPr>
+          <p:cNvPr id="27" name="Straight Connector 26">
+            <a:extLst>
+              <a:ext uri="{FF2B5EF4-FFF2-40B4-BE49-F238E27FC236}">
+                <a16:creationId xmlns:a16="http://schemas.microsoft.com/office/drawing/2014/main" id="{9C0E8A97-A100-A258-EC8D-346B364FE26C}"/>
+              </a:ext>
+            </a:extLst>
+          </p:cNvPr>
+          <p:cNvCxnSpPr>
+            <a:endCxn id="18" idx="1"/>
+          </p:cNvCxnSpPr>
+          <p:nvPr/>
+        </p:nvCxnSpPr>
+        <p:spPr>
+          <a:xfrm>
+            <a:off x="2604249" y="2619749"/>
+            <a:ext cx="1299079" cy="722965"/>
+          </a:xfrm>
+          <a:prstGeom prst="line">
+            <a:avLst/>
+          </a:prstGeom>
+          <a:ln w="28575">
+            <a:solidFill>
+              <a:srgbClr val="FFFF00"/>
+            </a:solidFill>
+          </a:ln>
+        </p:spPr>
+        <p:style>
+          <a:lnRef idx="1">
+            <a:schemeClr val="accent4"/>
+          </a:lnRef>
+          <a:fillRef idx="0">
+            <a:schemeClr val="accent4"/>
+          </a:fillRef>
+          <a:effectRef idx="0">
+            <a:schemeClr val="accent4"/>
+          </a:effectRef>
+          <a:fontRef idx="minor">
+            <a:schemeClr val="tx1"/>
+          </a:fontRef>
+        </p:style>
+      </p:cxnSp>
+      <p:cxnSp>
+        <p:nvCxnSpPr>
+          <p:cNvPr id="28" name="Straight Connector 27">
+            <a:extLst>
+              <a:ext uri="{FF2B5EF4-FFF2-40B4-BE49-F238E27FC236}">
+                <a16:creationId xmlns:a16="http://schemas.microsoft.com/office/drawing/2014/main" id="{44635B76-A4D0-065A-5F48-FDF4EDC9611F}"/>
+              </a:ext>
+            </a:extLst>
+          </p:cNvPr>
+          <p:cNvCxnSpPr>
+            <a:cxnSpLocks/>
+            <a:stCxn id="24" idx="4"/>
+            <a:endCxn id="18" idx="7"/>
+          </p:cNvCxnSpPr>
+          <p:nvPr/>
+        </p:nvCxnSpPr>
+        <p:spPr>
+          <a:xfrm flipH="1">
+            <a:off x="5133095" y="2632826"/>
+            <a:ext cx="1639742" cy="709888"/>
+          </a:xfrm>
+          <a:prstGeom prst="line">
+            <a:avLst/>
+          </a:prstGeom>
+          <a:ln w="28575">
+            <a:solidFill>
+              <a:srgbClr val="FFFF00"/>
+            </a:solidFill>
+          </a:ln>
+        </p:spPr>
+        <p:style>
+          <a:lnRef idx="1">
+            <a:schemeClr val="accent4"/>
+          </a:lnRef>
+          <a:fillRef idx="0">
+            <a:schemeClr val="accent4"/>
+          </a:fillRef>
+          <a:effectRef idx="0">
+            <a:schemeClr val="accent4"/>
+          </a:effectRef>
+          <a:fontRef idx="minor">
+            <a:schemeClr val="tx1"/>
+          </a:fontRef>
+        </p:style>
+      </p:cxnSp>
+      <p:cxnSp>
+        <p:nvCxnSpPr>
+          <p:cNvPr id="29" name="Straight Connector 28">
+            <a:extLst>
+              <a:ext uri="{FF2B5EF4-FFF2-40B4-BE49-F238E27FC236}">
+                <a16:creationId xmlns:a16="http://schemas.microsoft.com/office/drawing/2014/main" id="{91152CE8-BA20-17C2-42BA-19CCA5045E58}"/>
+              </a:ext>
+            </a:extLst>
+          </p:cNvPr>
+          <p:cNvCxnSpPr>
+            <a:cxnSpLocks/>
+            <a:endCxn id="18" idx="0"/>
+          </p:cNvCxnSpPr>
+          <p:nvPr/>
+        </p:nvCxnSpPr>
+        <p:spPr>
+          <a:xfrm flipH="1">
+            <a:off x="4518212" y="2674386"/>
+            <a:ext cx="327214" cy="514068"/>
+          </a:xfrm>
+          <a:prstGeom prst="line">
+            <a:avLst/>
+          </a:prstGeom>
+          <a:ln w="28575">
+            <a:solidFill>
+              <a:srgbClr val="FFFF00"/>
+            </a:solidFill>
+          </a:ln>
+        </p:spPr>
+        <p:style>
+          <a:lnRef idx="1">
+            <a:schemeClr val="accent4"/>
+          </a:lnRef>
+          <a:fillRef idx="0">
+            <a:schemeClr val="accent4"/>
+          </a:fillRef>
+          <a:effectRef idx="0">
+            <a:schemeClr val="accent4"/>
+          </a:effectRef>
+          <a:fontRef idx="minor">
+            <a:schemeClr val="tx1"/>
+          </a:fontRef>
+        </p:style>
+      </p:cxnSp>
+      <p:sp>
+        <p:nvSpPr>
+          <p:cNvPr id="34" name="Multiplication Sign 33">
+            <a:extLst>
+              <a:ext uri="{FF2B5EF4-FFF2-40B4-BE49-F238E27FC236}">
+                <a16:creationId xmlns:a16="http://schemas.microsoft.com/office/drawing/2014/main" id="{B148DCAC-460B-F2D2-B994-4A8C77FE326A}"/>
+              </a:ext>
+            </a:extLst>
+          </p:cNvPr>
+          <p:cNvSpPr/>
+          <p:nvPr/>
+        </p:nvSpPr>
+        <p:spPr>
+          <a:xfrm>
+            <a:off x="1615488" y="1355355"/>
+            <a:ext cx="2079813" cy="1396809"/>
+          </a:xfrm>
+          <a:prstGeom prst="mathMultiply">
+            <a:avLst>
+              <a:gd name="adj1" fmla="val 15818"/>
+            </a:avLst>
+          </a:prstGeom>
+          <a:solidFill>
+            <a:srgbClr val="C00000"/>
+          </a:solidFill>
+        </p:spPr>
+        <p:style>
+          <a:lnRef idx="2">
+            <a:schemeClr val="accent1">
+              <a:shade val="50000"/>
+            </a:schemeClr>
+          </a:lnRef>
+          <a:fillRef idx="1">
+            <a:schemeClr val="accent1"/>
+          </a:fillRef>
+          <a:effectRef idx="0">
+            <a:schemeClr val="accent1"/>
+          </a:effectRef>
+          <a:fontRef idx="minor">
+            <a:schemeClr val="lt1"/>
+          </a:fontRef>
+        </p:style>
+        <p:txBody>
+          <a:bodyPr rtlCol="0" anchor="ctr"/>
+          <a:lstStyle/>
+          <a:p>
+            <a:pPr algn="ctr"/>
+            <a:endParaRPr lang="en-IN"/>
+          </a:p>
+        </p:txBody>
+      </p:sp>
+      <p:grpSp>
+        <p:nvGrpSpPr>
+          <p:cNvPr id="35" name="Group 34">
+            <a:extLst>
+              <a:ext uri="{FF2B5EF4-FFF2-40B4-BE49-F238E27FC236}">
+                <a16:creationId xmlns:a16="http://schemas.microsoft.com/office/drawing/2014/main" id="{250B9881-8F36-FCF1-72D7-2FD35CE93522}"/>
+              </a:ext>
+            </a:extLst>
+          </p:cNvPr>
+          <p:cNvGrpSpPr/>
+          <p:nvPr/>
+        </p:nvGrpSpPr>
+        <p:grpSpPr>
+          <a:xfrm>
+            <a:off x="1357117" y="3328245"/>
+            <a:ext cx="1739153" cy="1053353"/>
+            <a:chOff x="2321859" y="2375647"/>
+            <a:chExt cx="1739153" cy="1053353"/>
+          </a:xfrm>
+        </p:grpSpPr>
+        <p:sp>
+          <p:nvSpPr>
+            <p:cNvPr id="36" name="Oval 35">
+              <a:extLst>
+                <a:ext uri="{FF2B5EF4-FFF2-40B4-BE49-F238E27FC236}">
+                  <a16:creationId xmlns:a16="http://schemas.microsoft.com/office/drawing/2014/main" id="{62886A3D-9F1F-2DA6-8726-34531A67C027}"/>
+                </a:ext>
+              </a:extLst>
+            </p:cNvPr>
+            <p:cNvSpPr/>
+            <p:nvPr/>
+          </p:nvSpPr>
+          <p:spPr>
+            <a:xfrm>
+              <a:off x="2321859" y="2375647"/>
+              <a:ext cx="1739153" cy="1053353"/>
+            </a:xfrm>
+            <a:prstGeom prst="ellipse">
+              <a:avLst/>
+            </a:prstGeom>
+          </p:spPr>
+          <p:style>
+            <a:lnRef idx="2">
+              <a:schemeClr val="accent6">
+                <a:shade val="50000"/>
+              </a:schemeClr>
+            </a:lnRef>
+            <a:fillRef idx="1">
+              <a:schemeClr val="accent6"/>
+            </a:fillRef>
+            <a:effectRef idx="0">
+              <a:schemeClr val="accent6"/>
+            </a:effectRef>
+            <a:fontRef idx="minor">
+              <a:schemeClr val="lt1"/>
+            </a:fontRef>
+          </p:style>
+          <p:txBody>
+            <a:bodyPr rtlCol="0" anchor="t" anchorCtr="0"/>
+            <a:lstStyle/>
+            <a:p>
+              <a:pPr algn="ctr"/>
+              <a:r>
+                <a:rPr lang="en-GB" dirty="0"/>
+                <a:t>Pod</a:t>
+              </a:r>
+              <a:endParaRPr lang="en-IN" dirty="0"/>
+            </a:p>
+          </p:txBody>
+        </p:sp>
+        <p:sp>
+          <p:nvSpPr>
+            <p:cNvPr id="37" name="Rectangle: Rounded Corners 36">
+              <a:extLst>
+                <a:ext uri="{FF2B5EF4-FFF2-40B4-BE49-F238E27FC236}">
+                  <a16:creationId xmlns:a16="http://schemas.microsoft.com/office/drawing/2014/main" id="{2ECC0705-EE35-FF17-95D7-1B577C97E38E}"/>
+                </a:ext>
+              </a:extLst>
+            </p:cNvPr>
+            <p:cNvSpPr/>
+            <p:nvPr/>
+          </p:nvSpPr>
+          <p:spPr>
+            <a:xfrm>
+              <a:off x="2783542" y="2764214"/>
+              <a:ext cx="762000" cy="448235"/>
+            </a:xfrm>
+            <a:prstGeom prst="roundRect">
+              <a:avLst/>
+            </a:prstGeom>
+            <a:solidFill>
+              <a:schemeClr val="accent2"/>
+            </a:solidFill>
+          </p:spPr>
+          <p:style>
+            <a:lnRef idx="2">
+              <a:schemeClr val="accent1">
+                <a:shade val="50000"/>
+              </a:schemeClr>
+            </a:lnRef>
+            <a:fillRef idx="1">
+              <a:schemeClr val="accent1"/>
+            </a:fillRef>
+            <a:effectRef idx="0">
+              <a:schemeClr val="accent1"/>
+            </a:effectRef>
+            <a:fontRef idx="minor">
+              <a:schemeClr val="lt1"/>
+            </a:fontRef>
+          </p:style>
+          <p:txBody>
+            <a:bodyPr rtlCol="0" anchor="ctr"/>
+            <a:lstStyle/>
+            <a:p>
+              <a:pPr algn="ctr"/>
+              <a:r>
+                <a:rPr lang="en-GB" dirty="0"/>
+                <a:t>PBX</a:t>
+              </a:r>
+              <a:endParaRPr lang="en-IN" dirty="0"/>
+            </a:p>
+          </p:txBody>
+        </p:sp>
+      </p:grpSp>
+      <p:cxnSp>
+        <p:nvCxnSpPr>
+          <p:cNvPr id="38" name="Straight Connector 37">
+            <a:extLst>
+              <a:ext uri="{FF2B5EF4-FFF2-40B4-BE49-F238E27FC236}">
+                <a16:creationId xmlns:a16="http://schemas.microsoft.com/office/drawing/2014/main" id="{796A30C6-A15A-4738-8912-F9717511D5ED}"/>
+              </a:ext>
+            </a:extLst>
+          </p:cNvPr>
+          <p:cNvCxnSpPr>
+            <a:cxnSpLocks/>
+            <a:endCxn id="18" idx="1"/>
+          </p:cNvCxnSpPr>
+          <p:nvPr/>
+        </p:nvCxnSpPr>
+        <p:spPr>
+          <a:xfrm flipV="1">
+            <a:off x="3133165" y="3342714"/>
+            <a:ext cx="770163" cy="535363"/>
+          </a:xfrm>
+          <a:prstGeom prst="line">
+            <a:avLst/>
+          </a:prstGeom>
+          <a:ln w="28575">
+            <a:solidFill>
+              <a:srgbClr val="FFFF00"/>
+            </a:solidFill>
+          </a:ln>
+        </p:spPr>
+        <p:style>
+          <a:lnRef idx="1">
+            <a:schemeClr val="accent4"/>
+          </a:lnRef>
+          <a:fillRef idx="0">
+            <a:schemeClr val="accent4"/>
+          </a:fillRef>
+          <a:effectRef idx="0">
+            <a:schemeClr val="accent4"/>
+          </a:effectRef>
+          <a:fontRef idx="minor">
+            <a:schemeClr val="tx1"/>
+          </a:fontRef>
+        </p:style>
+      </p:cxnSp>
+    </p:spTree>
+    <p:extLst>
+      <p:ext uri="{BB962C8B-B14F-4D97-AF65-F5344CB8AC3E}">
+        <p14:creationId xmlns:p14="http://schemas.microsoft.com/office/powerpoint/2010/main" val="42676014"/>
+      </p:ext>
+    </p:extLst>
+  </p:cSld>
+  <p:clrMapOvr>
+    <a:masterClrMapping/>
+  </p:clrMapOvr>
+</p:sld>
+</file>
+
+<file path=ppt/slides/slide8.xml><?xml version="1.0" encoding="utf-8"?>
+<p:sld xmlns:a="http://schemas.openxmlformats.org/drawingml/2006/main" xmlns:r="http://schemas.openxmlformats.org/officeDocument/2006/relationships" xmlns:p="http://schemas.openxmlformats.org/presentationml/2006/main">
+  <p:cSld>
+    <p:spTree>
+      <p:nvGrpSpPr>
+        <p:cNvPr id="1" name=""/>
+        <p:cNvGrpSpPr/>
+        <p:nvPr/>
+      </p:nvGrpSpPr>
+      <p:grpSpPr>
+        <a:xfrm>
+          <a:off x="0" y="0"/>
+          <a:ext cx="0" cy="0"/>
+          <a:chOff x="0" y="0"/>
+          <a:chExt cx="0" cy="0"/>
+        </a:xfrm>
+      </p:grpSpPr>
+      <p:sp>
+        <p:nvSpPr>
+          <p:cNvPr id="2" name="Title 1">
+            <a:extLst>
+              <a:ext uri="{FF2B5EF4-FFF2-40B4-BE49-F238E27FC236}">
+                <a16:creationId xmlns:a16="http://schemas.microsoft.com/office/drawing/2014/main" id="{D6461128-D058-0094-7D19-F342942B7402}"/>
+              </a:ext>
+            </a:extLst>
+          </p:cNvPr>
+          <p:cNvSpPr>
+            <a:spLocks noGrp="1"/>
+          </p:cNvSpPr>
+          <p:nvPr>
+            <p:ph type="title"/>
+          </p:nvPr>
+        </p:nvSpPr>
+        <p:spPr/>
+        <p:txBody>
+          <a:bodyPr/>
+          <a:lstStyle/>
+          <a:p>
+            <a:r>
+              <a:rPr lang="en-GB" dirty="0"/>
+              <a:t>Pods</a:t>
+            </a:r>
+            <a:endParaRPr lang="en-IN" dirty="0"/>
+          </a:p>
+        </p:txBody>
+      </p:sp>
+      <p:sp>
+        <p:nvSpPr>
+          <p:cNvPr id="4" name="Rectangle 3">
+            <a:extLst>
+              <a:ext uri="{FF2B5EF4-FFF2-40B4-BE49-F238E27FC236}">
+                <a16:creationId xmlns:a16="http://schemas.microsoft.com/office/drawing/2014/main" id="{FE60B1E5-7DE0-E496-03F4-6D620E829E92}"/>
+              </a:ext>
+            </a:extLst>
+          </p:cNvPr>
+          <p:cNvSpPr/>
+          <p:nvPr/>
+        </p:nvSpPr>
+        <p:spPr>
+          <a:xfrm>
+            <a:off x="1479177" y="1447430"/>
+            <a:ext cx="6078071" cy="4096871"/>
+          </a:xfrm>
+          <a:prstGeom prst="rect">
+            <a:avLst/>
+          </a:prstGeom>
+        </p:spPr>
+        <p:style>
+          <a:lnRef idx="2">
+            <a:schemeClr val="accent1">
+              <a:shade val="50000"/>
+            </a:schemeClr>
+          </a:lnRef>
+          <a:fillRef idx="1">
+            <a:schemeClr val="accent1"/>
+          </a:fillRef>
+          <a:effectRef idx="0">
+            <a:schemeClr val="accent1"/>
+          </a:effectRef>
+          <a:fontRef idx="minor">
+            <a:schemeClr val="lt1"/>
+          </a:fontRef>
+        </p:style>
+        <p:txBody>
+          <a:bodyPr rtlCol="0" anchor="ctr"/>
+          <a:lstStyle/>
+          <a:p>
+            <a:pPr algn="ctr"/>
+            <a:r>
+              <a:rPr lang="en-GB" dirty="0"/>
+              <a:t>Worker Node</a:t>
+            </a:r>
+            <a:endParaRPr lang="en-IN" dirty="0"/>
+          </a:p>
+        </p:txBody>
+      </p:sp>
+      <p:sp>
+        <p:nvSpPr>
+          <p:cNvPr id="7" name="Rectangle: Rounded Corners 6">
+            <a:extLst>
+              <a:ext uri="{FF2B5EF4-FFF2-40B4-BE49-F238E27FC236}">
+                <a16:creationId xmlns:a16="http://schemas.microsoft.com/office/drawing/2014/main" id="{1F298BF0-725E-C532-785F-577D6AD82131}"/>
+              </a:ext>
+            </a:extLst>
+          </p:cNvPr>
+          <p:cNvSpPr/>
+          <p:nvPr/>
+        </p:nvSpPr>
+        <p:spPr>
+          <a:xfrm>
+            <a:off x="10089777" y="1131238"/>
+            <a:ext cx="762000" cy="448235"/>
+          </a:xfrm>
+          <a:prstGeom prst="roundRect">
+            <a:avLst/>
+          </a:prstGeom>
+          <a:solidFill>
+            <a:schemeClr val="accent2"/>
+          </a:solidFill>
+        </p:spPr>
+        <p:style>
+          <a:lnRef idx="2">
+            <a:schemeClr val="accent1">
+              <a:shade val="50000"/>
+            </a:schemeClr>
+          </a:lnRef>
+          <a:fillRef idx="1">
+            <a:schemeClr val="accent1"/>
+          </a:fillRef>
+          <a:effectRef idx="0">
+            <a:schemeClr val="accent1"/>
+          </a:effectRef>
+          <a:fontRef idx="minor">
+            <a:schemeClr val="lt1"/>
+          </a:fontRef>
+        </p:style>
+        <p:txBody>
+          <a:bodyPr rtlCol="0" anchor="ctr"/>
+          <a:lstStyle/>
+          <a:p>
+            <a:pPr algn="ctr"/>
+            <a:endParaRPr lang="en-IN"/>
+          </a:p>
+        </p:txBody>
+      </p:sp>
+      <p:sp>
+        <p:nvSpPr>
+          <p:cNvPr id="8" name="Rectangle: Rounded Corners 7">
+            <a:extLst>
+              <a:ext uri="{FF2B5EF4-FFF2-40B4-BE49-F238E27FC236}">
+                <a16:creationId xmlns:a16="http://schemas.microsoft.com/office/drawing/2014/main" id="{24DFC8D7-F7B6-2AD1-ADB8-5F034A46D556}"/>
+              </a:ext>
+            </a:extLst>
+          </p:cNvPr>
+          <p:cNvSpPr/>
+          <p:nvPr/>
+        </p:nvSpPr>
+        <p:spPr>
+          <a:xfrm>
+            <a:off x="10999696" y="1991007"/>
+            <a:ext cx="762000" cy="448235"/>
+          </a:xfrm>
+          <a:prstGeom prst="roundRect">
+            <a:avLst/>
+          </a:prstGeom>
+          <a:solidFill>
+            <a:schemeClr val="accent2"/>
+          </a:solidFill>
+        </p:spPr>
+        <p:style>
+          <a:lnRef idx="2">
+            <a:schemeClr val="accent1">
+              <a:shade val="50000"/>
+            </a:schemeClr>
+          </a:lnRef>
+          <a:fillRef idx="1">
+            <a:schemeClr val="accent1"/>
+          </a:fillRef>
+          <a:effectRef idx="0">
+            <a:schemeClr val="accent1"/>
+          </a:effectRef>
+          <a:fontRef idx="minor">
+            <a:schemeClr val="lt1"/>
+          </a:fontRef>
+        </p:style>
+        <p:txBody>
+          <a:bodyPr rtlCol="0" anchor="ctr"/>
+          <a:lstStyle/>
+          <a:p>
+            <a:pPr algn="ctr"/>
+            <a:endParaRPr lang="en-IN"/>
+          </a:p>
+        </p:txBody>
+      </p:sp>
+      <p:grpSp>
+        <p:nvGrpSpPr>
+          <p:cNvPr id="11" name="Group 10">
+            <a:extLst>
+              <a:ext uri="{FF2B5EF4-FFF2-40B4-BE49-F238E27FC236}">
+                <a16:creationId xmlns:a16="http://schemas.microsoft.com/office/drawing/2014/main" id="{93504A10-7589-36FD-2CBF-2F1493759A79}"/>
+              </a:ext>
+            </a:extLst>
+          </p:cNvPr>
+          <p:cNvGrpSpPr/>
+          <p:nvPr/>
+        </p:nvGrpSpPr>
+        <p:grpSpPr>
+          <a:xfrm>
+            <a:off x="10165977" y="2824724"/>
+            <a:ext cx="1739153" cy="1053353"/>
+            <a:chOff x="2321859" y="2375647"/>
+            <a:chExt cx="1739153" cy="1053353"/>
+          </a:xfrm>
+        </p:grpSpPr>
+        <p:sp>
+          <p:nvSpPr>
+            <p:cNvPr id="12" name="Oval 11">
+              <a:extLst>
+                <a:ext uri="{FF2B5EF4-FFF2-40B4-BE49-F238E27FC236}">
+                  <a16:creationId xmlns:a16="http://schemas.microsoft.com/office/drawing/2014/main" id="{02E8B29E-6C90-381F-1ADC-AAA4EFD48C97}"/>
+                </a:ext>
+              </a:extLst>
+            </p:cNvPr>
+            <p:cNvSpPr/>
+            <p:nvPr/>
+          </p:nvSpPr>
+          <p:spPr>
+            <a:xfrm>
+              <a:off x="2321859" y="2375647"/>
+              <a:ext cx="1739153" cy="1053353"/>
+            </a:xfrm>
+            <a:prstGeom prst="ellipse">
+              <a:avLst/>
+            </a:prstGeom>
+          </p:spPr>
+          <p:style>
+            <a:lnRef idx="2">
+              <a:schemeClr val="accent6">
+                <a:shade val="50000"/>
+              </a:schemeClr>
+            </a:lnRef>
+            <a:fillRef idx="1">
+              <a:schemeClr val="accent6"/>
+            </a:fillRef>
+            <a:effectRef idx="0">
+              <a:schemeClr val="accent6"/>
+            </a:effectRef>
+            <a:fontRef idx="minor">
+              <a:schemeClr val="lt1"/>
+            </a:fontRef>
+          </p:style>
+          <p:txBody>
+            <a:bodyPr rtlCol="0" anchor="t" anchorCtr="0"/>
+            <a:lstStyle/>
+            <a:p>
+              <a:pPr algn="ctr"/>
+              <a:r>
+                <a:rPr lang="en-GB" dirty="0"/>
+                <a:t>Pod</a:t>
+              </a:r>
+              <a:endParaRPr lang="en-IN" dirty="0"/>
+            </a:p>
+          </p:txBody>
+        </p:sp>
+        <p:sp>
+          <p:nvSpPr>
+            <p:cNvPr id="13" name="Rectangle: Rounded Corners 12">
+              <a:extLst>
+                <a:ext uri="{FF2B5EF4-FFF2-40B4-BE49-F238E27FC236}">
+                  <a16:creationId xmlns:a16="http://schemas.microsoft.com/office/drawing/2014/main" id="{12D3C84B-0F6E-C6A6-FCB5-07C885B041EE}"/>
+                </a:ext>
+              </a:extLst>
+            </p:cNvPr>
+            <p:cNvSpPr/>
+            <p:nvPr/>
+          </p:nvSpPr>
+          <p:spPr>
+            <a:xfrm>
+              <a:off x="2783542" y="2764214"/>
+              <a:ext cx="762000" cy="448235"/>
+            </a:xfrm>
+            <a:prstGeom prst="roundRect">
+              <a:avLst/>
+            </a:prstGeom>
+            <a:solidFill>
+              <a:schemeClr val="accent2"/>
+            </a:solidFill>
+          </p:spPr>
+          <p:style>
+            <a:lnRef idx="2">
+              <a:schemeClr val="accent1">
+                <a:shade val="50000"/>
+              </a:schemeClr>
+            </a:lnRef>
+            <a:fillRef idx="1">
+              <a:schemeClr val="accent1"/>
+            </a:fillRef>
+            <a:effectRef idx="0">
+              <a:schemeClr val="accent1"/>
+            </a:effectRef>
+            <a:fontRef idx="minor">
+              <a:schemeClr val="lt1"/>
+            </a:fontRef>
+          </p:style>
+          <p:txBody>
+            <a:bodyPr rtlCol="0" anchor="ctr"/>
+            <a:lstStyle/>
+            <a:p>
+              <a:pPr algn="ctr"/>
+              <a:endParaRPr lang="en-IN"/>
+            </a:p>
+          </p:txBody>
+        </p:sp>
+        <p:sp>
+          <p:nvSpPr>
+            <p:cNvPr id="14" name="Rectangle: Rounded Corners 13">
+              <a:extLst>
+                <a:ext uri="{FF2B5EF4-FFF2-40B4-BE49-F238E27FC236}">
+                  <a16:creationId xmlns:a16="http://schemas.microsoft.com/office/drawing/2014/main" id="{FD7D6B48-39CC-0E4F-CB9B-4D948B607982}"/>
+                </a:ext>
+              </a:extLst>
+            </p:cNvPr>
+            <p:cNvSpPr/>
+            <p:nvPr/>
+          </p:nvSpPr>
+          <p:spPr>
+            <a:xfrm>
+              <a:off x="2891118" y="2824725"/>
+              <a:ext cx="762000" cy="448235"/>
+            </a:xfrm>
+            <a:prstGeom prst="roundRect">
+              <a:avLst/>
+            </a:prstGeom>
+            <a:solidFill>
+              <a:schemeClr val="accent2"/>
+            </a:solidFill>
+          </p:spPr>
+          <p:style>
+            <a:lnRef idx="2">
+              <a:schemeClr val="accent1">
+                <a:shade val="50000"/>
+              </a:schemeClr>
+            </a:lnRef>
+            <a:fillRef idx="1">
+              <a:schemeClr val="accent1"/>
+            </a:fillRef>
+            <a:effectRef idx="0">
+              <a:schemeClr val="accent1"/>
+            </a:effectRef>
+            <a:fontRef idx="minor">
+              <a:schemeClr val="lt1"/>
+            </a:fontRef>
+          </p:style>
+          <p:txBody>
+            <a:bodyPr rtlCol="0" anchor="ctr"/>
+            <a:lstStyle/>
+            <a:p>
+              <a:pPr algn="ctr"/>
+              <a:endParaRPr lang="en-IN"/>
+            </a:p>
+          </p:txBody>
+        </p:sp>
+        <p:sp>
+          <p:nvSpPr>
+            <p:cNvPr id="15" name="Rectangle: Rounded Corners 14">
+              <a:extLst>
+                <a:ext uri="{FF2B5EF4-FFF2-40B4-BE49-F238E27FC236}">
+                  <a16:creationId xmlns:a16="http://schemas.microsoft.com/office/drawing/2014/main" id="{A4560073-4509-56F1-2912-1E33C065E287}"/>
+                </a:ext>
+              </a:extLst>
+            </p:cNvPr>
+            <p:cNvSpPr/>
+            <p:nvPr/>
+          </p:nvSpPr>
+          <p:spPr>
+            <a:xfrm>
+              <a:off x="2998694" y="2874029"/>
+              <a:ext cx="762000" cy="448235"/>
+            </a:xfrm>
+            <a:prstGeom prst="roundRect">
+              <a:avLst/>
+            </a:prstGeom>
+            <a:solidFill>
+              <a:schemeClr val="accent2"/>
+            </a:solidFill>
+          </p:spPr>
+          <p:style>
+            <a:lnRef idx="2">
+              <a:schemeClr val="accent1">
+                <a:shade val="50000"/>
+              </a:schemeClr>
+            </a:lnRef>
+            <a:fillRef idx="1">
+              <a:schemeClr val="accent1"/>
+            </a:fillRef>
+            <a:effectRef idx="0">
+              <a:schemeClr val="accent1"/>
+            </a:effectRef>
+            <a:fontRef idx="minor">
+              <a:schemeClr val="lt1"/>
+            </a:fontRef>
+          </p:style>
+          <p:txBody>
+            <a:bodyPr rtlCol="0" anchor="ctr"/>
+            <a:lstStyle/>
+            <a:p>
+              <a:pPr algn="ctr"/>
+              <a:endParaRPr lang="en-IN"/>
+            </a:p>
+          </p:txBody>
+        </p:sp>
+      </p:grpSp>
+      <p:grpSp>
+        <p:nvGrpSpPr>
+          <p:cNvPr id="35" name="Group 34">
+            <a:extLst>
+              <a:ext uri="{FF2B5EF4-FFF2-40B4-BE49-F238E27FC236}">
+                <a16:creationId xmlns:a16="http://schemas.microsoft.com/office/drawing/2014/main" id="{250B9881-8F36-FCF1-72D7-2FD35CE93522}"/>
+              </a:ext>
+            </a:extLst>
+          </p:cNvPr>
+          <p:cNvGrpSpPr/>
+          <p:nvPr/>
+        </p:nvGrpSpPr>
+        <p:grpSpPr>
+          <a:xfrm>
+            <a:off x="1357117" y="3328245"/>
+            <a:ext cx="1739153" cy="1053353"/>
+            <a:chOff x="2321859" y="2375647"/>
+            <a:chExt cx="1739153" cy="1053353"/>
+          </a:xfrm>
+        </p:grpSpPr>
+        <p:sp>
+          <p:nvSpPr>
+            <p:cNvPr id="36" name="Oval 35">
+              <a:extLst>
+                <a:ext uri="{FF2B5EF4-FFF2-40B4-BE49-F238E27FC236}">
+                  <a16:creationId xmlns:a16="http://schemas.microsoft.com/office/drawing/2014/main" id="{62886A3D-9F1F-2DA6-8726-34531A67C027}"/>
+                </a:ext>
+              </a:extLst>
+            </p:cNvPr>
+            <p:cNvSpPr/>
+            <p:nvPr/>
+          </p:nvSpPr>
+          <p:spPr>
+            <a:xfrm>
+              <a:off x="2321859" y="2375647"/>
+              <a:ext cx="1739153" cy="1053353"/>
+            </a:xfrm>
+            <a:prstGeom prst="ellipse">
+              <a:avLst/>
+            </a:prstGeom>
+          </p:spPr>
+          <p:style>
+            <a:lnRef idx="2">
+              <a:schemeClr val="accent6">
+                <a:shade val="50000"/>
+              </a:schemeClr>
+            </a:lnRef>
+            <a:fillRef idx="1">
+              <a:schemeClr val="accent6"/>
+            </a:fillRef>
+            <a:effectRef idx="0">
+              <a:schemeClr val="accent6"/>
+            </a:effectRef>
+            <a:fontRef idx="minor">
+              <a:schemeClr val="lt1"/>
+            </a:fontRef>
+          </p:style>
+          <p:txBody>
+            <a:bodyPr rtlCol="0" anchor="t" anchorCtr="0"/>
+            <a:lstStyle/>
+            <a:p>
+              <a:pPr algn="ctr"/>
+              <a:r>
+                <a:rPr lang="en-GB" dirty="0"/>
+                <a:t>Pod</a:t>
+              </a:r>
+              <a:endParaRPr lang="en-IN" dirty="0"/>
+            </a:p>
+          </p:txBody>
+        </p:sp>
+        <p:sp>
+          <p:nvSpPr>
+            <p:cNvPr id="37" name="Rectangle: Rounded Corners 36">
+              <a:extLst>
+                <a:ext uri="{FF2B5EF4-FFF2-40B4-BE49-F238E27FC236}">
+                  <a16:creationId xmlns:a16="http://schemas.microsoft.com/office/drawing/2014/main" id="{2ECC0705-EE35-FF17-95D7-1B577C97E38E}"/>
+                </a:ext>
+              </a:extLst>
+            </p:cNvPr>
+            <p:cNvSpPr/>
+            <p:nvPr/>
+          </p:nvSpPr>
+          <p:spPr>
+            <a:xfrm>
+              <a:off x="2783542" y="2764214"/>
+              <a:ext cx="762000" cy="448235"/>
+            </a:xfrm>
+            <a:prstGeom prst="roundRect">
+              <a:avLst/>
+            </a:prstGeom>
+            <a:solidFill>
+              <a:schemeClr val="accent2"/>
+            </a:solidFill>
+          </p:spPr>
+          <p:style>
+            <a:lnRef idx="2">
+              <a:schemeClr val="accent1">
+                <a:shade val="50000"/>
+              </a:schemeClr>
+            </a:lnRef>
+            <a:fillRef idx="1">
+              <a:schemeClr val="accent1"/>
+            </a:fillRef>
+            <a:effectRef idx="0">
+              <a:schemeClr val="accent1"/>
+            </a:effectRef>
+            <a:fontRef idx="minor">
+              <a:schemeClr val="lt1"/>
+            </a:fontRef>
+          </p:style>
+          <p:txBody>
+            <a:bodyPr rtlCol="0" anchor="ctr"/>
+            <a:lstStyle/>
+            <a:p>
+              <a:pPr algn="ctr"/>
+              <a:r>
+                <a:rPr lang="en-GB" dirty="0"/>
+                <a:t>PBX</a:t>
+              </a:r>
+              <a:endParaRPr lang="en-IN" dirty="0"/>
+            </a:p>
+          </p:txBody>
+        </p:sp>
+      </p:grpSp>
+      <p:sp>
+        <p:nvSpPr>
+          <p:cNvPr id="19" name="Rectangle: Rounded Corners 18">
+            <a:extLst>
+              <a:ext uri="{FF2B5EF4-FFF2-40B4-BE49-F238E27FC236}">
+                <a16:creationId xmlns:a16="http://schemas.microsoft.com/office/drawing/2014/main" id="{E6136A41-D665-4A4B-47BD-792CC48B20C2}"/>
+              </a:ext>
+            </a:extLst>
+          </p:cNvPr>
+          <p:cNvSpPr/>
+          <p:nvPr/>
+        </p:nvSpPr>
+        <p:spPr>
+          <a:xfrm>
+            <a:off x="1961201" y="3848383"/>
+            <a:ext cx="762000" cy="448235"/>
+          </a:xfrm>
+          <a:prstGeom prst="roundRect">
+            <a:avLst/>
+          </a:prstGeom>
+          <a:solidFill>
+            <a:schemeClr val="accent2"/>
+          </a:solidFill>
+        </p:spPr>
+        <p:style>
+          <a:lnRef idx="2">
+            <a:schemeClr val="accent1">
+              <a:shade val="50000"/>
+            </a:schemeClr>
+          </a:lnRef>
+          <a:fillRef idx="1">
+            <a:schemeClr val="accent1"/>
+          </a:fillRef>
+          <a:effectRef idx="0">
+            <a:schemeClr val="accent1"/>
+          </a:effectRef>
+          <a:fontRef idx="minor">
+            <a:schemeClr val="lt1"/>
+          </a:fontRef>
+        </p:style>
+        <p:txBody>
+          <a:bodyPr rtlCol="0" anchor="ctr"/>
+          <a:lstStyle/>
+          <a:p>
+            <a:pPr algn="ctr"/>
+            <a:r>
+              <a:rPr lang="en-GB" dirty="0" err="1"/>
+              <a:t>VoiceAssist</a:t>
+            </a:r>
+            <a:endParaRPr lang="en-IN" dirty="0"/>
+          </a:p>
+        </p:txBody>
+      </p:sp>
+      <p:grpSp>
+        <p:nvGrpSpPr>
+          <p:cNvPr id="3" name="Group 2">
+            <a:extLst>
+              <a:ext uri="{FF2B5EF4-FFF2-40B4-BE49-F238E27FC236}">
+                <a16:creationId xmlns:a16="http://schemas.microsoft.com/office/drawing/2014/main" id="{CBE84812-A806-B277-FAE2-7153539C63A9}"/>
+              </a:ext>
+            </a:extLst>
+          </p:cNvPr>
+          <p:cNvGrpSpPr/>
+          <p:nvPr/>
+        </p:nvGrpSpPr>
+        <p:grpSpPr>
+          <a:xfrm>
+            <a:off x="1572272" y="1822259"/>
+            <a:ext cx="1739153" cy="1053353"/>
+            <a:chOff x="2321859" y="2375647"/>
+            <a:chExt cx="1739153" cy="1053353"/>
+          </a:xfrm>
+        </p:grpSpPr>
+        <p:sp>
+          <p:nvSpPr>
+            <p:cNvPr id="9" name="Oval 8">
+              <a:extLst>
+                <a:ext uri="{FF2B5EF4-FFF2-40B4-BE49-F238E27FC236}">
+                  <a16:creationId xmlns:a16="http://schemas.microsoft.com/office/drawing/2014/main" id="{0DD3F4AD-9BDE-50A7-22EE-5473FEC5948F}"/>
+                </a:ext>
+              </a:extLst>
+            </p:cNvPr>
+            <p:cNvSpPr/>
+            <p:nvPr/>
+          </p:nvSpPr>
+          <p:spPr>
+            <a:xfrm>
+              <a:off x="2321859" y="2375647"/>
+              <a:ext cx="1739153" cy="1053353"/>
+            </a:xfrm>
+            <a:prstGeom prst="ellipse">
+              <a:avLst/>
+            </a:prstGeom>
+          </p:spPr>
+          <p:style>
+            <a:lnRef idx="2">
+              <a:schemeClr val="accent6">
+                <a:shade val="50000"/>
+              </a:schemeClr>
+            </a:lnRef>
+            <a:fillRef idx="1">
+              <a:schemeClr val="accent6"/>
+            </a:fillRef>
+            <a:effectRef idx="0">
+              <a:schemeClr val="accent6"/>
+            </a:effectRef>
+            <a:fontRef idx="minor">
+              <a:schemeClr val="lt1"/>
+            </a:fontRef>
+          </p:style>
+          <p:txBody>
+            <a:bodyPr rtlCol="0" anchor="t" anchorCtr="0"/>
+            <a:lstStyle/>
+            <a:p>
+              <a:pPr algn="ctr"/>
+              <a:r>
+                <a:rPr lang="en-GB" dirty="0"/>
+                <a:t>Pod</a:t>
+              </a:r>
+              <a:endParaRPr lang="en-IN" dirty="0"/>
+            </a:p>
+          </p:txBody>
+        </p:sp>
+        <p:sp>
+          <p:nvSpPr>
+            <p:cNvPr id="10" name="Rectangle: Rounded Corners 9">
+              <a:extLst>
+                <a:ext uri="{FF2B5EF4-FFF2-40B4-BE49-F238E27FC236}">
+                  <a16:creationId xmlns:a16="http://schemas.microsoft.com/office/drawing/2014/main" id="{45B3FF43-9B5F-BEB9-A9AA-BCC3B1B65B57}"/>
+                </a:ext>
+              </a:extLst>
+            </p:cNvPr>
+            <p:cNvSpPr/>
+            <p:nvPr/>
+          </p:nvSpPr>
+          <p:spPr>
+            <a:xfrm>
+              <a:off x="2783542" y="2764214"/>
+              <a:ext cx="762000" cy="448235"/>
+            </a:xfrm>
+            <a:prstGeom prst="roundRect">
+              <a:avLst/>
+            </a:prstGeom>
+            <a:solidFill>
+              <a:schemeClr val="accent2"/>
+            </a:solidFill>
+          </p:spPr>
+          <p:style>
+            <a:lnRef idx="2">
+              <a:schemeClr val="accent1">
+                <a:shade val="50000"/>
+              </a:schemeClr>
+            </a:lnRef>
+            <a:fillRef idx="1">
+              <a:schemeClr val="accent1"/>
+            </a:fillRef>
+            <a:effectRef idx="0">
+              <a:schemeClr val="accent1"/>
+            </a:effectRef>
+            <a:fontRef idx="minor">
+              <a:schemeClr val="lt1"/>
+            </a:fontRef>
+          </p:style>
+          <p:txBody>
+            <a:bodyPr rtlCol="0" anchor="ctr"/>
+            <a:lstStyle/>
+            <a:p>
+              <a:pPr algn="ctr"/>
+              <a:r>
+                <a:rPr lang="en-GB" dirty="0"/>
+                <a:t>PBX</a:t>
+              </a:r>
+              <a:endParaRPr lang="en-IN" dirty="0"/>
+            </a:p>
+          </p:txBody>
+        </p:sp>
+      </p:grpSp>
+      <p:sp>
+        <p:nvSpPr>
+          <p:cNvPr id="26" name="Rectangle: Rounded Corners 25">
+            <a:extLst>
+              <a:ext uri="{FF2B5EF4-FFF2-40B4-BE49-F238E27FC236}">
+                <a16:creationId xmlns:a16="http://schemas.microsoft.com/office/drawing/2014/main" id="{583CB013-166F-6D5E-DCD1-1AEC2DA0D4FB}"/>
+              </a:ext>
+            </a:extLst>
+          </p:cNvPr>
+          <p:cNvSpPr/>
+          <p:nvPr/>
+        </p:nvSpPr>
+        <p:spPr>
+          <a:xfrm>
+            <a:off x="2176356" y="2342397"/>
+            <a:ext cx="762000" cy="448235"/>
+          </a:xfrm>
+          <a:prstGeom prst="roundRect">
+            <a:avLst/>
+          </a:prstGeom>
+          <a:solidFill>
+            <a:schemeClr val="accent2"/>
+          </a:solidFill>
+        </p:spPr>
+        <p:style>
+          <a:lnRef idx="2">
+            <a:schemeClr val="accent1">
+              <a:shade val="50000"/>
+            </a:schemeClr>
+          </a:lnRef>
+          <a:fillRef idx="1">
+            <a:schemeClr val="accent1"/>
+          </a:fillRef>
+          <a:effectRef idx="0">
+            <a:schemeClr val="accent1"/>
+          </a:effectRef>
+          <a:fontRef idx="minor">
+            <a:schemeClr val="lt1"/>
+          </a:fontRef>
+        </p:style>
+        <p:txBody>
+          <a:bodyPr rtlCol="0" anchor="ctr"/>
+          <a:lstStyle/>
+          <a:p>
+            <a:pPr algn="ctr"/>
+            <a:r>
+              <a:rPr lang="en-GB" dirty="0" err="1"/>
+              <a:t>VoiceAssist</a:t>
+            </a:r>
+            <a:endParaRPr lang="en-IN" dirty="0"/>
+          </a:p>
+        </p:txBody>
+      </p:sp>
+      <p:grpSp>
+        <p:nvGrpSpPr>
+          <p:cNvPr id="30" name="Group 29">
+            <a:extLst>
+              <a:ext uri="{FF2B5EF4-FFF2-40B4-BE49-F238E27FC236}">
+                <a16:creationId xmlns:a16="http://schemas.microsoft.com/office/drawing/2014/main" id="{99ECFD0F-4444-B610-755B-D952AA746EF9}"/>
+              </a:ext>
+            </a:extLst>
+          </p:cNvPr>
+          <p:cNvGrpSpPr/>
+          <p:nvPr/>
+        </p:nvGrpSpPr>
+        <p:grpSpPr>
+          <a:xfrm>
+            <a:off x="4172037" y="1982790"/>
+            <a:ext cx="1739153" cy="1053353"/>
+            <a:chOff x="2321859" y="2375647"/>
+            <a:chExt cx="1739153" cy="1053353"/>
+          </a:xfrm>
+        </p:grpSpPr>
+        <p:sp>
+          <p:nvSpPr>
+            <p:cNvPr id="31" name="Oval 30">
+              <a:extLst>
+                <a:ext uri="{FF2B5EF4-FFF2-40B4-BE49-F238E27FC236}">
+                  <a16:creationId xmlns:a16="http://schemas.microsoft.com/office/drawing/2014/main" id="{2D9A5184-F2A9-4A3A-6DC1-2358DA6A3F8C}"/>
+                </a:ext>
+              </a:extLst>
+            </p:cNvPr>
+            <p:cNvSpPr/>
+            <p:nvPr/>
+          </p:nvSpPr>
+          <p:spPr>
+            <a:xfrm>
+              <a:off x="2321859" y="2375647"/>
+              <a:ext cx="1739153" cy="1053353"/>
+            </a:xfrm>
+            <a:prstGeom prst="ellipse">
+              <a:avLst/>
+            </a:prstGeom>
+          </p:spPr>
+          <p:style>
+            <a:lnRef idx="2">
+              <a:schemeClr val="accent6">
+                <a:shade val="50000"/>
+              </a:schemeClr>
+            </a:lnRef>
+            <a:fillRef idx="1">
+              <a:schemeClr val="accent6"/>
+            </a:fillRef>
+            <a:effectRef idx="0">
+              <a:schemeClr val="accent6"/>
+            </a:effectRef>
+            <a:fontRef idx="minor">
+              <a:schemeClr val="lt1"/>
+            </a:fontRef>
+          </p:style>
+          <p:txBody>
+            <a:bodyPr rtlCol="0" anchor="t" anchorCtr="0"/>
+            <a:lstStyle/>
+            <a:p>
+              <a:pPr algn="ctr"/>
+              <a:r>
+                <a:rPr lang="en-GB" dirty="0"/>
+                <a:t>Pod</a:t>
+              </a:r>
+              <a:endParaRPr lang="en-IN" dirty="0"/>
+            </a:p>
+          </p:txBody>
+        </p:sp>
+        <p:sp>
+          <p:nvSpPr>
+            <p:cNvPr id="32" name="Rectangle: Rounded Corners 31">
+              <a:extLst>
+                <a:ext uri="{FF2B5EF4-FFF2-40B4-BE49-F238E27FC236}">
+                  <a16:creationId xmlns:a16="http://schemas.microsoft.com/office/drawing/2014/main" id="{01A61714-6234-FC60-AEA3-FF79FCAA46BB}"/>
+                </a:ext>
+              </a:extLst>
+            </p:cNvPr>
+            <p:cNvSpPr/>
+            <p:nvPr/>
+          </p:nvSpPr>
+          <p:spPr>
+            <a:xfrm>
+              <a:off x="2783542" y="2764214"/>
+              <a:ext cx="762000" cy="448235"/>
+            </a:xfrm>
+            <a:prstGeom prst="roundRect">
+              <a:avLst/>
+            </a:prstGeom>
+            <a:solidFill>
+              <a:schemeClr val="accent2"/>
+            </a:solidFill>
+          </p:spPr>
+          <p:style>
+            <a:lnRef idx="2">
+              <a:schemeClr val="accent1">
+                <a:shade val="50000"/>
+              </a:schemeClr>
+            </a:lnRef>
+            <a:fillRef idx="1">
+              <a:schemeClr val="accent1"/>
+            </a:fillRef>
+            <a:effectRef idx="0">
+              <a:schemeClr val="accent1"/>
+            </a:effectRef>
+            <a:fontRef idx="minor">
+              <a:schemeClr val="lt1"/>
+            </a:fontRef>
+          </p:style>
+          <p:txBody>
+            <a:bodyPr rtlCol="0" anchor="ctr"/>
+            <a:lstStyle/>
+            <a:p>
+              <a:pPr algn="ctr"/>
+              <a:r>
+                <a:rPr lang="en-GB" sz="1600" dirty="0" err="1"/>
+                <a:t>CallDb</a:t>
+              </a:r>
+              <a:endParaRPr lang="en-GB" sz="1600" dirty="0"/>
+            </a:p>
+          </p:txBody>
+        </p:sp>
+      </p:grpSp>
+      <p:cxnSp>
+        <p:nvCxnSpPr>
+          <p:cNvPr id="39" name="Straight Connector 38">
+            <a:extLst>
+              <a:ext uri="{FF2B5EF4-FFF2-40B4-BE49-F238E27FC236}">
+                <a16:creationId xmlns:a16="http://schemas.microsoft.com/office/drawing/2014/main" id="{7E0A87C6-898B-D2C1-4358-319C3108EDEE}"/>
+              </a:ext>
+            </a:extLst>
+          </p:cNvPr>
+          <p:cNvCxnSpPr>
+            <a:stCxn id="26" idx="3"/>
+            <a:endCxn id="32" idx="1"/>
+          </p:cNvCxnSpPr>
+          <p:nvPr/>
+        </p:nvCxnSpPr>
+        <p:spPr>
+          <a:xfrm>
+            <a:off x="2938356" y="2566515"/>
+            <a:ext cx="1695364" cy="28960"/>
+          </a:xfrm>
+          <a:prstGeom prst="line">
+            <a:avLst/>
+          </a:prstGeom>
+          <a:ln w="28575">
+            <a:solidFill>
+              <a:srgbClr val="FFFF00"/>
+            </a:solidFill>
+          </a:ln>
+        </p:spPr>
+        <p:style>
+          <a:lnRef idx="1">
+            <a:schemeClr val="accent1"/>
+          </a:lnRef>
+          <a:fillRef idx="0">
+            <a:schemeClr val="accent1"/>
+          </a:fillRef>
+          <a:effectRef idx="0">
+            <a:schemeClr val="accent1"/>
+          </a:effectRef>
+          <a:fontRef idx="minor">
+            <a:schemeClr val="tx1"/>
+          </a:fontRef>
+        </p:style>
+      </p:cxnSp>
+      <p:cxnSp>
+        <p:nvCxnSpPr>
+          <p:cNvPr id="40" name="Straight Connector 39">
+            <a:extLst>
+              <a:ext uri="{FF2B5EF4-FFF2-40B4-BE49-F238E27FC236}">
+                <a16:creationId xmlns:a16="http://schemas.microsoft.com/office/drawing/2014/main" id="{92C1F1E8-DE06-F6EC-7976-3A9A243E8AE8}"/>
+              </a:ext>
+            </a:extLst>
+          </p:cNvPr>
+          <p:cNvCxnSpPr>
+            <a:cxnSpLocks/>
+            <a:stCxn id="19" idx="3"/>
+            <a:endCxn id="32" idx="1"/>
+          </p:cNvCxnSpPr>
+          <p:nvPr/>
+        </p:nvCxnSpPr>
+        <p:spPr>
+          <a:xfrm flipV="1">
+            <a:off x="2723201" y="2595475"/>
+            <a:ext cx="1910519" cy="1477026"/>
+          </a:xfrm>
+          <a:prstGeom prst="line">
+            <a:avLst/>
+          </a:prstGeom>
+          <a:ln w="28575">
+            <a:solidFill>
+              <a:srgbClr val="FFFF00"/>
+            </a:solidFill>
+          </a:ln>
+        </p:spPr>
+        <p:style>
+          <a:lnRef idx="1">
+            <a:schemeClr val="accent1"/>
+          </a:lnRef>
+          <a:fillRef idx="0">
+            <a:schemeClr val="accent1"/>
+          </a:fillRef>
+          <a:effectRef idx="0">
+            <a:schemeClr val="accent1"/>
+          </a:effectRef>
+          <a:fontRef idx="minor">
+            <a:schemeClr val="tx1"/>
+          </a:fontRef>
+        </p:style>
+      </p:cxnSp>
+    </p:spTree>
+    <p:extLst>
+      <p:ext uri="{BB962C8B-B14F-4D97-AF65-F5344CB8AC3E}">
+        <p14:creationId xmlns:p14="http://schemas.microsoft.com/office/powerpoint/2010/main" val="3263976858"/>
+      </p:ext>
+    </p:extLst>
+  </p:cSld>
+  <p:clrMapOvr>
+    <a:masterClrMapping/>
+  </p:clrMapOvr>
+</p:sld>
+</file>
+
+<file path=ppt/slides/slide9.xml><?xml version="1.0" encoding="utf-8"?>
+<p:sld xmlns:a="http://schemas.openxmlformats.org/drawingml/2006/main" xmlns:r="http://schemas.openxmlformats.org/officeDocument/2006/relationships" xmlns:p="http://schemas.openxmlformats.org/presentationml/2006/main">
+  <p:cSld>
+    <p:spTree>
+      <p:nvGrpSpPr>
+        <p:cNvPr id="1" name=""/>
+        <p:cNvGrpSpPr/>
+        <p:nvPr/>
+      </p:nvGrpSpPr>
+      <p:grpSpPr>
+        <a:xfrm>
+          <a:off x="0" y="0"/>
+          <a:ext cx="0" cy="0"/>
+          <a:chOff x="0" y="0"/>
+          <a:chExt cx="0" cy="0"/>
+        </a:xfrm>
+      </p:grpSpPr>
+      <p:sp>
+        <p:nvSpPr>
+          <p:cNvPr id="2" name="Title 1">
+            <a:extLst>
+              <a:ext uri="{FF2B5EF4-FFF2-40B4-BE49-F238E27FC236}">
+                <a16:creationId xmlns:a16="http://schemas.microsoft.com/office/drawing/2014/main" id="{5F50144E-74E9-BCCF-D93D-5CFF5C8222AD}"/>
+              </a:ext>
+            </a:extLst>
+          </p:cNvPr>
+          <p:cNvSpPr>
+            <a:spLocks noGrp="1"/>
+          </p:cNvSpPr>
+          <p:nvPr>
+            <p:ph type="title"/>
+          </p:nvPr>
+        </p:nvSpPr>
+        <p:spPr/>
+        <p:txBody>
+          <a:bodyPr/>
+          <a:lstStyle/>
+          <a:p>
+            <a:r>
+              <a:rPr lang="en-GB" dirty="0"/>
+              <a:t>YAML/YML</a:t>
+            </a:r>
+            <a:endParaRPr lang="en-IN" dirty="0"/>
+          </a:p>
+        </p:txBody>
+      </p:sp>
+      <p:sp>
+        <p:nvSpPr>
+          <p:cNvPr id="3" name="Content Placeholder 2">
+            <a:extLst>
+              <a:ext uri="{FF2B5EF4-FFF2-40B4-BE49-F238E27FC236}">
+                <a16:creationId xmlns:a16="http://schemas.microsoft.com/office/drawing/2014/main" id="{A02AF03F-E991-0409-0511-C52F062FE792}"/>
+              </a:ext>
+            </a:extLst>
+          </p:cNvPr>
+          <p:cNvSpPr>
+            <a:spLocks noGrp="1"/>
+          </p:cNvSpPr>
+          <p:nvPr>
+            <p:ph idx="1"/>
+          </p:nvPr>
+        </p:nvSpPr>
+        <p:spPr>
+          <a:xfrm>
+            <a:off x="838200" y="1825625"/>
+            <a:ext cx="3697941" cy="4351338"/>
+          </a:xfrm>
+        </p:spPr>
+        <p:txBody>
+          <a:bodyPr>
+            <a:normAutofit fontScale="55000" lnSpcReduction="20000"/>
+          </a:bodyPr>
+          <a:lstStyle/>
+          <a:p>
+            <a:r>
+              <a:rPr lang="en-GB" dirty="0"/>
+              <a:t>Pod Manifest</a:t>
+            </a:r>
+          </a:p>
+          <a:p>
+            <a:pPr lvl="1"/>
+            <a:r>
+              <a:rPr lang="en-GB" dirty="0"/>
+              <a:t>Camel case  </a:t>
+            </a:r>
+            <a:r>
+              <a:rPr lang="en-GB" dirty="0">
+                <a:sym typeface="Wingdings" panose="05000000000000000000" pitchFamily="2" charset="2"/>
+              </a:rPr>
+              <a:t> </a:t>
+            </a:r>
+            <a:r>
+              <a:rPr lang="en-GB" dirty="0" err="1">
+                <a:sym typeface="Wingdings" panose="05000000000000000000" pitchFamily="2" charset="2"/>
+              </a:rPr>
+              <a:t>m_pConnStringToDb</a:t>
+            </a:r>
+            <a:endParaRPr lang="en-GB" dirty="0">
+              <a:sym typeface="Wingdings" panose="05000000000000000000" pitchFamily="2" charset="2"/>
+            </a:endParaRPr>
+          </a:p>
+          <a:p>
+            <a:pPr lvl="1"/>
+            <a:r>
+              <a:rPr lang="en-GB" dirty="0">
+                <a:sym typeface="Wingdings" panose="05000000000000000000" pitchFamily="2" charset="2"/>
+              </a:rPr>
+              <a:t>Indentation</a:t>
+            </a:r>
+          </a:p>
+          <a:p>
+            <a:pPr marL="914400" lvl="2" indent="0">
+              <a:buNone/>
+            </a:pPr>
+            <a:r>
+              <a:rPr lang="en-GB" dirty="0">
+                <a:sym typeface="Wingdings" panose="05000000000000000000" pitchFamily="2" charset="2"/>
+              </a:rPr>
+              <a:t>level1</a:t>
+            </a:r>
+          </a:p>
+          <a:p>
+            <a:pPr marL="914400" lvl="2" indent="0">
+              <a:buNone/>
+            </a:pPr>
+            <a:r>
+              <a:rPr lang="en-GB" dirty="0">
+                <a:sym typeface="Wingdings" panose="05000000000000000000" pitchFamily="2" charset="2"/>
+              </a:rPr>
+              <a:t>	level2</a:t>
+            </a:r>
+          </a:p>
+          <a:p>
+            <a:pPr marL="914400" lvl="2" indent="0">
+              <a:buNone/>
+            </a:pPr>
+            <a:r>
+              <a:rPr lang="en-GB" dirty="0">
+                <a:sym typeface="Wingdings" panose="05000000000000000000" pitchFamily="2" charset="2"/>
+              </a:rPr>
+              <a:t>	level2</a:t>
+            </a:r>
+          </a:p>
+          <a:p>
+            <a:pPr marL="914400" lvl="2" indent="0">
+              <a:buNone/>
+            </a:pPr>
+            <a:r>
+              <a:rPr lang="en-GB" dirty="0">
+                <a:sym typeface="Wingdings" panose="05000000000000000000" pitchFamily="2" charset="2"/>
+              </a:rPr>
+              <a:t>	level2</a:t>
+            </a:r>
+          </a:p>
+          <a:p>
+            <a:pPr marL="914400" lvl="2" indent="0">
+              <a:buNone/>
+            </a:pPr>
+            <a:r>
+              <a:rPr lang="en-GB" dirty="0">
+                <a:sym typeface="Wingdings" panose="05000000000000000000" pitchFamily="2" charset="2"/>
+              </a:rPr>
+              <a:t>level1</a:t>
+            </a:r>
+          </a:p>
+          <a:p>
+            <a:pPr lvl="1"/>
+            <a:r>
+              <a:rPr lang="en-GB" dirty="0">
+                <a:sym typeface="Wingdings" panose="05000000000000000000" pitchFamily="2" charset="2"/>
+              </a:rPr>
+              <a:t>Structural elements</a:t>
+            </a:r>
+          </a:p>
+          <a:p>
+            <a:pPr lvl="2"/>
+            <a:r>
+              <a:rPr lang="en-GB" dirty="0">
+                <a:sym typeface="Wingdings" panose="05000000000000000000" pitchFamily="2" charset="2"/>
+              </a:rPr>
+              <a:t>Dictionary</a:t>
+            </a:r>
+          </a:p>
+          <a:p>
+            <a:pPr lvl="3"/>
+            <a:r>
+              <a:rPr lang="en-GB" dirty="0">
+                <a:sym typeface="Wingdings" panose="05000000000000000000" pitchFamily="2" charset="2"/>
+              </a:rPr>
+              <a:t>key1: val1</a:t>
+            </a:r>
+          </a:p>
+          <a:p>
+            <a:pPr lvl="3"/>
+            <a:r>
+              <a:rPr lang="en-GB" dirty="0">
+                <a:sym typeface="Wingdings" panose="05000000000000000000" pitchFamily="2" charset="2"/>
+              </a:rPr>
+              <a:t>key1:</a:t>
+            </a:r>
+          </a:p>
+          <a:p>
+            <a:pPr lvl="4"/>
+            <a:r>
+              <a:rPr lang="en-GB" dirty="0">
+                <a:sym typeface="Wingdings" panose="05000000000000000000" pitchFamily="2" charset="2"/>
+              </a:rPr>
+              <a:t>key2: val2</a:t>
+            </a:r>
+          </a:p>
+          <a:p>
+            <a:pPr lvl="4"/>
+            <a:r>
+              <a:rPr lang="en-GB" dirty="0">
+                <a:sym typeface="Wingdings" panose="05000000000000000000" pitchFamily="2" charset="2"/>
+              </a:rPr>
+              <a:t>key3: val3</a:t>
+            </a:r>
+          </a:p>
+          <a:p>
+            <a:pPr lvl="2"/>
+            <a:r>
+              <a:rPr lang="en-GB" dirty="0">
+                <a:sym typeface="Wingdings" panose="05000000000000000000" pitchFamily="2" charset="2"/>
+              </a:rPr>
+              <a:t>Arrays</a:t>
+            </a:r>
+          </a:p>
+          <a:p>
+            <a:pPr lvl="3">
+              <a:buFontTx/>
+              <a:buChar char="-"/>
+            </a:pPr>
+            <a:r>
+              <a:rPr lang="en-GB" dirty="0">
+                <a:sym typeface="Wingdings" panose="05000000000000000000" pitchFamily="2" charset="2"/>
+              </a:rPr>
+              <a:t>key1</a:t>
+            </a:r>
+          </a:p>
+          <a:p>
+            <a:pPr lvl="3">
+              <a:buFontTx/>
+              <a:buChar char="-"/>
+            </a:pPr>
+            <a:r>
+              <a:rPr lang="en-GB" dirty="0">
+                <a:sym typeface="Wingdings" panose="05000000000000000000" pitchFamily="2" charset="2"/>
+              </a:rPr>
+              <a:t>key2</a:t>
+            </a:r>
+          </a:p>
+          <a:p>
+            <a:pPr lvl="3">
+              <a:buFontTx/>
+              <a:buChar char="-"/>
+            </a:pPr>
+            <a:r>
+              <a:rPr lang="en-GB" dirty="0">
+                <a:sym typeface="Wingdings" panose="05000000000000000000" pitchFamily="2" charset="2"/>
+              </a:rPr>
+              <a:t>key3</a:t>
+            </a:r>
+          </a:p>
+          <a:p>
+            <a:pPr lvl="2"/>
+            <a:r>
+              <a:rPr lang="en-GB" dirty="0">
+                <a:sym typeface="Wingdings" panose="05000000000000000000" pitchFamily="2" charset="2"/>
+              </a:rPr>
+              <a:t>Combinations</a:t>
+            </a:r>
+          </a:p>
+          <a:p>
+            <a:pPr lvl="3"/>
+            <a:r>
+              <a:rPr lang="en-GB" dirty="0">
+                <a:sym typeface="Wingdings" panose="05000000000000000000" pitchFamily="2" charset="2"/>
+              </a:rPr>
+              <a:t>key</a:t>
+            </a:r>
+          </a:p>
+          <a:p>
+            <a:pPr marL="1828800" lvl="4" indent="0">
+              <a:buNone/>
+            </a:pPr>
+            <a:r>
+              <a:rPr lang="en-GB" dirty="0">
+                <a:sym typeface="Wingdings" panose="05000000000000000000" pitchFamily="2" charset="2"/>
+              </a:rPr>
+              <a:t>- key1: value1</a:t>
+            </a:r>
+          </a:p>
+          <a:p>
+            <a:pPr marL="1828800" lvl="4" indent="0">
+              <a:buNone/>
+            </a:pPr>
+            <a:r>
+              <a:rPr lang="en-GB" dirty="0">
+                <a:sym typeface="Wingdings" panose="05000000000000000000" pitchFamily="2" charset="2"/>
+              </a:rPr>
+              <a:t>- key2:</a:t>
+            </a:r>
+          </a:p>
+          <a:p>
+            <a:pPr lvl="5"/>
+            <a:r>
+              <a:rPr lang="en-GB" dirty="0">
+                <a:sym typeface="Wingdings" panose="05000000000000000000" pitchFamily="2" charset="2"/>
+              </a:rPr>
+              <a:t>key3: value3</a:t>
+            </a:r>
+          </a:p>
+          <a:p>
+            <a:pPr lvl="5"/>
+            <a:endParaRPr lang="en-GB" dirty="0">
+              <a:sym typeface="Wingdings" panose="05000000000000000000" pitchFamily="2" charset="2"/>
+            </a:endParaRPr>
+          </a:p>
+          <a:p>
+            <a:pPr lvl="2"/>
+            <a:endParaRPr lang="en-GB" dirty="0">
+              <a:sym typeface="Wingdings" panose="05000000000000000000" pitchFamily="2" charset="2"/>
+            </a:endParaRPr>
+          </a:p>
+          <a:p>
+            <a:pPr marL="914400" lvl="2" indent="0">
+              <a:buNone/>
+            </a:pPr>
+            <a:endParaRPr lang="en-GB" dirty="0">
+              <a:sym typeface="Wingdings" panose="05000000000000000000" pitchFamily="2" charset="2"/>
+            </a:endParaRPr>
+          </a:p>
+        </p:txBody>
+      </p:sp>
+      <p:sp>
+        <p:nvSpPr>
+          <p:cNvPr id="4" name="Content Placeholder 2">
+            <a:extLst>
+              <a:ext uri="{FF2B5EF4-FFF2-40B4-BE49-F238E27FC236}">
+                <a16:creationId xmlns:a16="http://schemas.microsoft.com/office/drawing/2014/main" id="{E94011C6-26E2-358A-A306-AD9A9124BDA6}"/>
+              </a:ext>
+            </a:extLst>
+          </p:cNvPr>
+          <p:cNvSpPr txBox="1">
+            <a:spLocks/>
+          </p:cNvSpPr>
+          <p:nvPr/>
+        </p:nvSpPr>
+        <p:spPr>
+          <a:xfrm>
+            <a:off x="6387353" y="1825625"/>
+            <a:ext cx="4782671" cy="4351338"/>
+          </a:xfrm>
+          <a:prstGeom prst="rect">
+            <a:avLst/>
+          </a:prstGeom>
+        </p:spPr>
+        <p:txBody>
+          <a:bodyPr vert="horz" lIns="91440" tIns="45720" rIns="91440" bIns="45720" rtlCol="0">
+            <a:normAutofit/>
+          </a:bodyPr>
+          <a:lstStyle>
+            <a:lvl1pPr marL="228600" indent="-228600" algn="l" defTabSz="914400" rtl="0" eaLnBrk="1" latinLnBrk="0" hangingPunct="1">
+              <a:lnSpc>
+                <a:spcPct val="90000"/>
+              </a:lnSpc>
+              <a:spcBef>
+                <a:spcPts val="1000"/>
+              </a:spcBef>
+              <a:buFont typeface="Arial" panose="020B0604020202020204" pitchFamily="34" charset="0"/>
+              <a:buChar char="•"/>
+              <a:defRPr sz="2800" kern="1200">
+                <a:solidFill>
+                  <a:schemeClr val="tx1"/>
+                </a:solidFill>
+                <a:latin typeface="+mn-lt"/>
+                <a:ea typeface="+mn-ea"/>
+                <a:cs typeface="+mn-cs"/>
+              </a:defRPr>
+            </a:lvl1pPr>
+            <a:lvl2pPr marL="685800" indent="-228600" algn="l" defTabSz="914400" rtl="0" eaLnBrk="1" latinLnBrk="0" hangingPunct="1">
+              <a:lnSpc>
+                <a:spcPct val="90000"/>
+              </a:lnSpc>
+              <a:spcBef>
+                <a:spcPts val="500"/>
+              </a:spcBef>
+              <a:buFont typeface="Arial" panose="020B0604020202020204" pitchFamily="34" charset="0"/>
+              <a:buChar char="•"/>
+              <a:defRPr sz="2400" kern="1200">
+                <a:solidFill>
+                  <a:schemeClr val="tx1"/>
+                </a:solidFill>
+                <a:latin typeface="+mn-lt"/>
+                <a:ea typeface="+mn-ea"/>
+                <a:cs typeface="+mn-cs"/>
+              </a:defRPr>
+            </a:lvl2pPr>
+            <a:lvl3pPr marL="1143000" indent="-228600" algn="l" defTabSz="914400" rtl="0" eaLnBrk="1" latinLnBrk="0" hangingPunct="1">
+              <a:lnSpc>
+                <a:spcPct val="90000"/>
+              </a:lnSpc>
+              <a:spcBef>
+                <a:spcPts val="500"/>
+              </a:spcBef>
+              <a:buFont typeface="Arial" panose="020B0604020202020204" pitchFamily="34" charset="0"/>
+              <a:buChar char="•"/>
+              <a:defRPr sz="2000" kern="1200">
+                <a:solidFill>
+                  <a:schemeClr val="tx1"/>
+                </a:solidFill>
+                <a:latin typeface="+mn-lt"/>
+                <a:ea typeface="+mn-ea"/>
+                <a:cs typeface="+mn-cs"/>
+              </a:defRPr>
+            </a:lvl3pPr>
+            <a:lvl4pPr marL="1600200" indent="-228600" algn="l" defTabSz="914400" rtl="0" eaLnBrk="1" latinLnBrk="0" hangingPunct="1">
+              <a:lnSpc>
+                <a:spcPct val="90000"/>
+              </a:lnSpc>
+              <a:spcBef>
+                <a:spcPts val="500"/>
+              </a:spcBef>
+              <a:buFont typeface="Arial" panose="020B0604020202020204" pitchFamily="34" charset="0"/>
+              <a:buChar char="•"/>
+              <a:defRPr sz="1800" kern="1200">
+                <a:solidFill>
+                  <a:schemeClr val="tx1"/>
+                </a:solidFill>
+                <a:latin typeface="+mn-lt"/>
+                <a:ea typeface="+mn-ea"/>
+                <a:cs typeface="+mn-cs"/>
+              </a:defRPr>
+            </a:lvl4pPr>
+            <a:lvl5pPr marL="2057400" indent="-228600" algn="l" defTabSz="914400" rtl="0" eaLnBrk="1" latinLnBrk="0" hangingPunct="1">
+              <a:lnSpc>
+                <a:spcPct val="90000"/>
+              </a:lnSpc>
+              <a:spcBef>
+                <a:spcPts val="500"/>
+              </a:spcBef>
+              <a:buFont typeface="Arial" panose="020B0604020202020204" pitchFamily="34" charset="0"/>
+              <a:buChar char="•"/>
+              <a:defRPr sz="1800" kern="1200">
+                <a:solidFill>
+                  <a:schemeClr val="tx1"/>
+                </a:solidFill>
+                <a:latin typeface="+mn-lt"/>
+                <a:ea typeface="+mn-ea"/>
+                <a:cs typeface="+mn-cs"/>
+              </a:defRPr>
+            </a:lvl5pPr>
+            <a:lvl6pPr marL="2514600" indent="-228600" algn="l" defTabSz="914400" rtl="0" eaLnBrk="1" latinLnBrk="0" hangingPunct="1">
+              <a:lnSpc>
+                <a:spcPct val="90000"/>
+              </a:lnSpc>
+              <a:spcBef>
+                <a:spcPts val="500"/>
+              </a:spcBef>
+              <a:buFont typeface="Arial" panose="020B0604020202020204" pitchFamily="34" charset="0"/>
+              <a:buChar char="•"/>
+              <a:defRPr sz="1800" kern="1200">
+                <a:solidFill>
+                  <a:schemeClr val="tx1"/>
+                </a:solidFill>
+                <a:latin typeface="+mn-lt"/>
+                <a:ea typeface="+mn-ea"/>
+                <a:cs typeface="+mn-cs"/>
+              </a:defRPr>
+            </a:lvl6pPr>
+            <a:lvl7pPr marL="2971800" indent="-228600" algn="l" defTabSz="914400" rtl="0" eaLnBrk="1" latinLnBrk="0" hangingPunct="1">
+              <a:lnSpc>
+                <a:spcPct val="90000"/>
+              </a:lnSpc>
+              <a:spcBef>
+                <a:spcPts val="500"/>
+              </a:spcBef>
+              <a:buFont typeface="Arial" panose="020B0604020202020204" pitchFamily="34" charset="0"/>
+              <a:buChar char="•"/>
+              <a:defRPr sz="1800" kern="1200">
+                <a:solidFill>
+                  <a:schemeClr val="tx1"/>
+                </a:solidFill>
+                <a:latin typeface="+mn-lt"/>
+                <a:ea typeface="+mn-ea"/>
+                <a:cs typeface="+mn-cs"/>
+              </a:defRPr>
+            </a:lvl7pPr>
+            <a:lvl8pPr marL="3429000" indent="-228600" algn="l" defTabSz="914400" rtl="0" eaLnBrk="1" latinLnBrk="0" hangingPunct="1">
+              <a:lnSpc>
+                <a:spcPct val="90000"/>
+              </a:lnSpc>
+              <a:spcBef>
+                <a:spcPts val="500"/>
+              </a:spcBef>
+              <a:buFont typeface="Arial" panose="020B0604020202020204" pitchFamily="34" charset="0"/>
+              <a:buChar char="•"/>
+              <a:defRPr sz="1800" kern="1200">
+                <a:solidFill>
+                  <a:schemeClr val="tx1"/>
+                </a:solidFill>
+                <a:latin typeface="+mn-lt"/>
+                <a:ea typeface="+mn-ea"/>
+                <a:cs typeface="+mn-cs"/>
+              </a:defRPr>
+            </a:lvl8pPr>
+            <a:lvl9pPr marL="3886200" indent="-228600" algn="l" defTabSz="914400" rtl="0" eaLnBrk="1" latinLnBrk="0" hangingPunct="1">
+              <a:lnSpc>
+                <a:spcPct val="90000"/>
+              </a:lnSpc>
+              <a:spcBef>
+                <a:spcPts val="500"/>
+              </a:spcBef>
+              <a:buFont typeface="Arial" panose="020B0604020202020204" pitchFamily="34" charset="0"/>
+              <a:buChar char="•"/>
+              <a:defRPr sz="1800" kern="1200">
+                <a:solidFill>
+                  <a:schemeClr val="tx1"/>
+                </a:solidFill>
+                <a:latin typeface="+mn-lt"/>
+                <a:ea typeface="+mn-ea"/>
+                <a:cs typeface="+mn-cs"/>
+              </a:defRPr>
+            </a:lvl9pPr>
+          </a:lstStyle>
+          <a:p>
+            <a:r>
+              <a:rPr lang="en-GB" dirty="0">
+                <a:sym typeface="Wingdings" panose="05000000000000000000" pitchFamily="2" charset="2"/>
+              </a:rPr>
+              <a:t>4 Major elements</a:t>
+            </a:r>
+          </a:p>
+          <a:p>
+            <a:pPr lvl="1"/>
+            <a:r>
+              <a:rPr lang="en-GB" dirty="0" err="1">
+                <a:sym typeface="Wingdings" panose="05000000000000000000" pitchFamily="2" charset="2"/>
+              </a:rPr>
+              <a:t>apiVersion</a:t>
+            </a:r>
+            <a:r>
+              <a:rPr lang="en-GB" dirty="0">
+                <a:sym typeface="Wingdings" panose="05000000000000000000" pitchFamily="2" charset="2"/>
+              </a:rPr>
+              <a:t> (module version)</a:t>
+            </a:r>
+          </a:p>
+          <a:p>
+            <a:pPr lvl="1"/>
+            <a:r>
+              <a:rPr lang="en-GB" dirty="0">
+                <a:sym typeface="Wingdings" panose="05000000000000000000" pitchFamily="2" charset="2"/>
+              </a:rPr>
+              <a:t>kind (type of resource)</a:t>
+            </a:r>
+          </a:p>
+          <a:p>
+            <a:pPr lvl="1"/>
+            <a:r>
+              <a:rPr lang="en-GB" dirty="0">
+                <a:sym typeface="Wingdings" panose="05000000000000000000" pitchFamily="2" charset="2"/>
+              </a:rPr>
+              <a:t>metadata (attributes)</a:t>
+            </a:r>
+          </a:p>
+          <a:p>
+            <a:pPr lvl="1"/>
+            <a:r>
+              <a:rPr lang="en-GB" dirty="0">
+                <a:sym typeface="Wingdings" panose="05000000000000000000" pitchFamily="2" charset="2"/>
+              </a:rPr>
+              <a:t>spec (resources)</a:t>
+            </a:r>
+          </a:p>
+          <a:p>
+            <a:r>
+              <a:rPr lang="en-GB" dirty="0">
+                <a:sym typeface="Wingdings" panose="05000000000000000000" pitchFamily="2" charset="2"/>
+              </a:rPr>
+              <a:t>Container vs. Pod</a:t>
+            </a:r>
+          </a:p>
+          <a:p>
+            <a:pPr lvl="1"/>
+            <a:r>
+              <a:rPr lang="en-GB" dirty="0" err="1">
+                <a:sym typeface="Wingdings" panose="05000000000000000000" pitchFamily="2" charset="2"/>
+              </a:rPr>
+              <a:t>Entrypoint</a:t>
+            </a:r>
+            <a:r>
+              <a:rPr lang="en-GB" dirty="0">
+                <a:sym typeface="Wingdings" panose="05000000000000000000" pitchFamily="2" charset="2"/>
+              </a:rPr>
+              <a:t>  CMD</a:t>
+            </a:r>
+          </a:p>
+          <a:p>
+            <a:pPr lvl="1"/>
+            <a:r>
+              <a:rPr lang="en-GB" dirty="0">
+                <a:sym typeface="Wingdings" panose="05000000000000000000" pitchFamily="2" charset="2"/>
+              </a:rPr>
+              <a:t>CMD  ARGS</a:t>
+            </a:r>
+          </a:p>
+          <a:p>
+            <a:pPr lvl="2"/>
+            <a:endParaRPr lang="en-GB" dirty="0">
+              <a:sym typeface="Wingdings" panose="05000000000000000000" pitchFamily="2" charset="2"/>
+            </a:endParaRPr>
+          </a:p>
+          <a:p>
+            <a:pPr marL="914400" lvl="2" indent="0">
+              <a:buFont typeface="Arial" panose="020B0604020202020204" pitchFamily="34" charset="0"/>
+              <a:buNone/>
+            </a:pPr>
+            <a:endParaRPr lang="en-GB" dirty="0">
+              <a:sym typeface="Wingdings" panose="05000000000000000000" pitchFamily="2" charset="2"/>
+            </a:endParaRPr>
+          </a:p>
+        </p:txBody>
+      </p:sp>
+    </p:spTree>
+    <p:extLst>
+      <p:ext uri="{BB962C8B-B14F-4D97-AF65-F5344CB8AC3E}">
+        <p14:creationId xmlns:p14="http://schemas.microsoft.com/office/powerpoint/2010/main" val="156168110"/>
       </p:ext>
     </p:extLst>
   </p:cSld>
